--- a/Slides.pptx
+++ b/Slides.pptx
@@ -5,10 +5,10 @@
     <p:sldMasterId id="2147483660" r:id="rId4"/>
   </p:sldMasterIdLst>
   <p:notesMasterIdLst>
-    <p:notesMasterId r:id="rId19"/>
+    <p:notesMasterId r:id="rId20"/>
   </p:notesMasterIdLst>
   <p:handoutMasterIdLst>
-    <p:handoutMasterId r:id="rId20"/>
+    <p:handoutMasterId r:id="rId21"/>
   </p:handoutMasterIdLst>
   <p:sldIdLst>
     <p:sldId id="256" r:id="rId5"/>
@@ -18,13 +18,14 @@
     <p:sldId id="273" r:id="rId9"/>
     <p:sldId id="275" r:id="rId10"/>
     <p:sldId id="276" r:id="rId11"/>
-    <p:sldId id="278" r:id="rId12"/>
-    <p:sldId id="279" r:id="rId13"/>
-    <p:sldId id="282" r:id="rId14"/>
-    <p:sldId id="281" r:id="rId15"/>
-    <p:sldId id="277" r:id="rId16"/>
-    <p:sldId id="283" r:id="rId17"/>
-    <p:sldId id="271" r:id="rId18"/>
+    <p:sldId id="284" r:id="rId12"/>
+    <p:sldId id="278" r:id="rId13"/>
+    <p:sldId id="279" r:id="rId14"/>
+    <p:sldId id="282" r:id="rId15"/>
+    <p:sldId id="281" r:id="rId16"/>
+    <p:sldId id="277" r:id="rId17"/>
+    <p:sldId id="283" r:id="rId18"/>
+    <p:sldId id="271" r:id="rId19"/>
   </p:sldIdLst>
   <p:sldSz cx="24382413" cy="13716000"/>
   <p:notesSz cx="6858000" cy="9144000"/>
@@ -5034,7 +5035,7 @@
           <a:p>
             <a:fld id="{E3B4E737-DB28-6646-A3EA-B9FA52569794}" type="datetimeFigureOut">
               <a:rPr lang="en-US" smtClean="0"/>
-              <a:t>4/8/2020</a:t>
+              <a:t>7/8/2020</a:t>
             </a:fld>
             <a:endParaRPr lang="en-US"/>
           </a:p>
@@ -5211,7 +5212,7 @@
           <a:p>
             <a:fld id="{7EC2B59A-16D0-D04F-BBB1-2E094E940407}" type="datetimeFigureOut">
               <a:rPr lang="en-US" smtClean="0"/>
-              <a:t>4/8/2020</a:t>
+              <a:t>7/8/2020</a:t>
             </a:fld>
             <a:endParaRPr lang="en-US"/>
           </a:p>
@@ -11677,377 +11678,124 @@
           </a:xfrm>
         </p:spPr>
         <p:txBody>
-          <a:bodyPr>
-            <a:normAutofit/>
-          </a:bodyPr>
+          <a:bodyPr/>
           <a:lstStyle/>
           <a:p>
-            <a:pPr marL="0" indent="0">
+            <a:pPr>
               <a:lnSpc>
                 <a:spcPct val="100000"/>
               </a:lnSpc>
-              <a:spcBef>
-                <a:spcPts val="0"/>
-              </a:spcBef>
-              <a:buNone/>
             </a:pPr>
-            <a:endParaRPr lang="en-US" sz="3600" dirty="0">
-              <a:solidFill>
-                <a:srgbClr val="0000FF"/>
-              </a:solidFill>
-              <a:latin typeface="Consolas" panose="020B0609020204030204" pitchFamily="49" charset="0"/>
-            </a:endParaRPr>
-          </a:p>
-          <a:p>
-            <a:pPr marL="0" indent="0">
+            <a:r>
+              <a:rPr lang="en-US" dirty="0"/>
+              <a:t>Install the “</a:t>
+            </a:r>
+            <a:r>
+              <a:rPr lang="en-US" dirty="0" err="1"/>
+              <a:t>SkiaSharp.Views.Uno</a:t>
+            </a:r>
+            <a:r>
+              <a:rPr lang="en-US" dirty="0"/>
+              <a:t>” NuGet</a:t>
+            </a:r>
+          </a:p>
+          <a:p>
+            <a:pPr>
               <a:lnSpc>
                 <a:spcPct val="100000"/>
               </a:lnSpc>
-              <a:spcBef>
-                <a:spcPts val="0"/>
-              </a:spcBef>
-              <a:buNone/>
             </a:pPr>
-            <a:endParaRPr lang="en-US" sz="3600" dirty="0">
-              <a:solidFill>
-                <a:srgbClr val="0000FF"/>
-              </a:solidFill>
-              <a:latin typeface="Consolas" panose="020B0609020204030204" pitchFamily="49" charset="0"/>
-            </a:endParaRPr>
-          </a:p>
-          <a:p>
-            <a:pPr marL="0" indent="0">
+            <a:r>
+              <a:rPr lang="en-US" dirty="0"/>
+              <a:t>Add one of the pre-built </a:t>
+            </a:r>
+            <a:r>
+              <a:rPr lang="en-US" dirty="0" err="1"/>
+              <a:t>SkiaSharp</a:t>
+            </a:r>
+            <a:r>
+              <a:rPr lang="en-US" dirty="0"/>
+              <a:t> views for Uno Platform:</a:t>
+            </a:r>
+          </a:p>
+          <a:p>
+            <a:pPr lvl="1">
               <a:lnSpc>
                 <a:spcPct val="100000"/>
               </a:lnSpc>
-              <a:spcBef>
-                <a:spcPts val="0"/>
-              </a:spcBef>
-              <a:buNone/>
             </a:pPr>
-            <a:endParaRPr lang="en-US" sz="3600" dirty="0">
-              <a:solidFill>
-                <a:srgbClr val="0000FF"/>
-              </a:solidFill>
+            <a:r>
+              <a:rPr lang="en-US" dirty="0"/>
+              <a:t>CPU: </a:t>
+            </a:r>
+            <a:r>
+              <a:rPr lang="en-US" b="1" dirty="0" err="1">
+                <a:latin typeface="Consolas" panose="020B0609020204030204" pitchFamily="49" charset="0"/>
+              </a:rPr>
+              <a:t>SKXamlCanvas</a:t>
+            </a:r>
+            <a:endParaRPr lang="en-US" b="1" dirty="0">
               <a:latin typeface="Consolas" panose="020B0609020204030204" pitchFamily="49" charset="0"/>
             </a:endParaRPr>
           </a:p>
           <a:p>
-            <a:pPr marL="0" indent="0">
+            <a:pPr lvl="1">
               <a:lnSpc>
                 <a:spcPct val="100000"/>
               </a:lnSpc>
-              <a:spcBef>
-                <a:spcPts val="0"/>
-              </a:spcBef>
-              <a:buNone/>
             </a:pPr>
             <a:r>
-              <a:rPr lang="en-US" sz="3600" dirty="0">
-                <a:solidFill>
-                  <a:srgbClr val="0000FF"/>
-                </a:solidFill>
+              <a:rPr lang="en-US" dirty="0"/>
+              <a:t>GPU: </a:t>
+            </a:r>
+            <a:r>
+              <a:rPr lang="en-US" b="1" dirty="0" err="1">
                 <a:latin typeface="Consolas" panose="020B0609020204030204" pitchFamily="49" charset="0"/>
               </a:rPr>
-              <a:t>&lt;</a:t>
-            </a:r>
-            <a:r>
-              <a:rPr lang="en-US" sz="3600" dirty="0">
-                <a:solidFill>
-                  <a:srgbClr val="A31515"/>
-                </a:solidFill>
-                <a:latin typeface="Consolas" panose="020B0609020204030204" pitchFamily="49" charset="0"/>
-              </a:rPr>
-              <a:t>Page</a:t>
-            </a:r>
-            <a:r>
-              <a:rPr lang="en-US" sz="3600" dirty="0">
-                <a:solidFill>
-                  <a:srgbClr val="0000FF"/>
-                </a:solidFill>
-                <a:latin typeface="Consolas" panose="020B0609020204030204" pitchFamily="49" charset="0"/>
-              </a:rPr>
-              <a:t> ...</a:t>
-            </a:r>
-            <a:r>
-              <a:rPr lang="en-US" sz="3600" dirty="0">
-                <a:solidFill>
-                  <a:srgbClr val="FF0000"/>
-                </a:solidFill>
-                <a:latin typeface="Consolas" panose="020B0609020204030204" pitchFamily="49" charset="0"/>
-              </a:rPr>
-              <a:t> </a:t>
-            </a:r>
-            <a:r>
-              <a:rPr lang="en-US" sz="3600" dirty="0" err="1">
-                <a:solidFill>
-                  <a:srgbClr val="FF0000"/>
-                </a:solidFill>
-                <a:latin typeface="Consolas" panose="020B0609020204030204" pitchFamily="49" charset="0"/>
-              </a:rPr>
-              <a:t>xmlns</a:t>
-            </a:r>
-            <a:r>
-              <a:rPr lang="en-US" sz="3600" dirty="0" err="1">
-                <a:solidFill>
-                  <a:srgbClr val="0000FF"/>
-                </a:solidFill>
-                <a:latin typeface="Consolas" panose="020B0609020204030204" pitchFamily="49" charset="0"/>
-              </a:rPr>
-              <a:t>:</a:t>
-            </a:r>
-            <a:r>
-              <a:rPr lang="en-US" sz="3600" dirty="0" err="1">
-                <a:solidFill>
-                  <a:srgbClr val="FF0000"/>
-                </a:solidFill>
-                <a:latin typeface="Consolas" panose="020B0609020204030204" pitchFamily="49" charset="0"/>
-              </a:rPr>
-              <a:t>skia</a:t>
-            </a:r>
-            <a:r>
-              <a:rPr lang="en-US" sz="3600" dirty="0">
-                <a:solidFill>
-                  <a:srgbClr val="0000FF"/>
-                </a:solidFill>
-                <a:latin typeface="Consolas" panose="020B0609020204030204" pitchFamily="49" charset="0"/>
-              </a:rPr>
-              <a:t>="</a:t>
-            </a:r>
-            <a:r>
-              <a:rPr lang="en-US" sz="3600" dirty="0" err="1">
-                <a:solidFill>
-                  <a:srgbClr val="0000FF"/>
-                </a:solidFill>
-                <a:latin typeface="Consolas" panose="020B0609020204030204" pitchFamily="49" charset="0"/>
-              </a:rPr>
-              <a:t>using:SkiaSharp.Views.UWP</a:t>
-            </a:r>
-            <a:r>
-              <a:rPr lang="en-US" sz="3600" dirty="0">
-                <a:solidFill>
-                  <a:srgbClr val="0000FF"/>
-                </a:solidFill>
-                <a:latin typeface="Consolas" panose="020B0609020204030204" pitchFamily="49" charset="0"/>
-              </a:rPr>
-              <a:t>"&gt;</a:t>
-            </a:r>
-            <a:endParaRPr lang="en-US" sz="3600" dirty="0">
-              <a:solidFill>
-                <a:srgbClr val="000000"/>
-              </a:solidFill>
+              <a:t>SKSwapChainPanel</a:t>
+            </a:r>
+            <a:endParaRPr lang="en-US" b="1" dirty="0">
               <a:latin typeface="Consolas" panose="020B0609020204030204" pitchFamily="49" charset="0"/>
             </a:endParaRPr>
           </a:p>
           <a:p>
-            <a:pPr marL="0" indent="0">
+            <a:pPr>
               <a:lnSpc>
                 <a:spcPct val="100000"/>
               </a:lnSpc>
-              <a:spcBef>
-                <a:spcPts val="0"/>
-              </a:spcBef>
-              <a:buNone/>
             </a:pPr>
-            <a:endParaRPr lang="en-US" sz="3600" dirty="0">
-              <a:solidFill>
-                <a:srgbClr val="000000"/>
-              </a:solidFill>
-              <a:latin typeface="Consolas" panose="020B0609020204030204" pitchFamily="49" charset="0"/>
-            </a:endParaRPr>
-          </a:p>
-          <a:p>
-            <a:pPr marL="0" indent="0">
+            <a:r>
+              <a:rPr lang="en-US" dirty="0"/>
+              <a:t>Subscribe to the </a:t>
+            </a:r>
+            <a:r>
+              <a:rPr lang="en-US" b="1" dirty="0" err="1">
+                <a:latin typeface="Consolas" panose="020B0609020204030204" pitchFamily="49" charset="0"/>
+              </a:rPr>
+              <a:t>PaintSurface</a:t>
+            </a:r>
+            <a:r>
+              <a:rPr lang="en-US" dirty="0"/>
+              <a:t> event</a:t>
+            </a:r>
+          </a:p>
+          <a:p>
+            <a:pPr>
               <a:lnSpc>
                 <a:spcPct val="100000"/>
               </a:lnSpc>
-              <a:spcBef>
-                <a:spcPts val="0"/>
-              </a:spcBef>
-              <a:buNone/>
             </a:pPr>
             <a:r>
-              <a:rPr lang="en-US" sz="3600" dirty="0">
-                <a:solidFill>
-                  <a:srgbClr val="000000"/>
-                </a:solidFill>
-                <a:latin typeface="Consolas" panose="020B0609020204030204" pitchFamily="49" charset="0"/>
-              </a:rPr>
-              <a:t>    </a:t>
-            </a:r>
-            <a:r>
-              <a:rPr lang="en-US" sz="3600" dirty="0">
-                <a:solidFill>
-                  <a:srgbClr val="0000FF"/>
-                </a:solidFill>
-                <a:latin typeface="Consolas" panose="020B0609020204030204" pitchFamily="49" charset="0"/>
-              </a:rPr>
-              <a:t>&lt;</a:t>
-            </a:r>
-            <a:r>
-              <a:rPr lang="en-US" sz="3600" dirty="0" err="1">
-                <a:solidFill>
-                  <a:srgbClr val="A31515"/>
-                </a:solidFill>
-                <a:latin typeface="Consolas" panose="020B0609020204030204" pitchFamily="49" charset="0"/>
-              </a:rPr>
-              <a:t>skia</a:t>
-            </a:r>
-            <a:r>
-              <a:rPr lang="en-US" sz="3600" dirty="0" err="1">
-                <a:solidFill>
-                  <a:srgbClr val="0000FF"/>
-                </a:solidFill>
-                <a:latin typeface="Consolas" panose="020B0609020204030204" pitchFamily="49" charset="0"/>
-              </a:rPr>
-              <a:t>:</a:t>
-            </a:r>
-            <a:r>
-              <a:rPr lang="en-US" sz="3600" dirty="0" err="1">
-                <a:solidFill>
-                  <a:srgbClr val="A31515"/>
-                </a:solidFill>
-                <a:latin typeface="Consolas" panose="020B0609020204030204" pitchFamily="49" charset="0"/>
-              </a:rPr>
-              <a:t>SKXamlCanvas</a:t>
-            </a:r>
-            <a:r>
-              <a:rPr lang="en-US" sz="3600" dirty="0">
-                <a:solidFill>
-                  <a:srgbClr val="FF0000"/>
-                </a:solidFill>
-                <a:latin typeface="Consolas" panose="020B0609020204030204" pitchFamily="49" charset="0"/>
-              </a:rPr>
-              <a:t> </a:t>
-            </a:r>
-            <a:r>
-              <a:rPr lang="en-US" sz="3600" dirty="0" err="1">
-                <a:solidFill>
-                  <a:srgbClr val="FF0000"/>
-                </a:solidFill>
-                <a:latin typeface="Consolas" panose="020B0609020204030204" pitchFamily="49" charset="0"/>
-              </a:rPr>
-              <a:t>PaintSurface</a:t>
-            </a:r>
-            <a:r>
-              <a:rPr lang="en-US" sz="3600" dirty="0">
-                <a:solidFill>
-                  <a:srgbClr val="0000FF"/>
-                </a:solidFill>
-                <a:latin typeface="Consolas" panose="020B0609020204030204" pitchFamily="49" charset="0"/>
-              </a:rPr>
-              <a:t>="</a:t>
-            </a:r>
-            <a:r>
-              <a:rPr lang="en-US" sz="3600" dirty="0" err="1">
-                <a:solidFill>
-                  <a:srgbClr val="0000FF"/>
-                </a:solidFill>
-                <a:latin typeface="Consolas" panose="020B0609020204030204" pitchFamily="49" charset="0"/>
-              </a:rPr>
-              <a:t>OnPaintSurface</a:t>
-            </a:r>
-            <a:r>
-              <a:rPr lang="en-US" sz="3600" dirty="0">
-                <a:solidFill>
-                  <a:srgbClr val="0000FF"/>
-                </a:solidFill>
-                <a:latin typeface="Consolas" panose="020B0609020204030204" pitchFamily="49" charset="0"/>
-              </a:rPr>
-              <a:t>"</a:t>
-            </a:r>
-            <a:r>
-              <a:rPr lang="en-US" sz="3600" dirty="0">
-                <a:solidFill>
-                  <a:srgbClr val="FF0000"/>
-                </a:solidFill>
-                <a:latin typeface="Consolas" panose="020B0609020204030204" pitchFamily="49" charset="0"/>
-              </a:rPr>
-              <a:t> </a:t>
-            </a:r>
-            <a:r>
-              <a:rPr lang="en-US" sz="3600" dirty="0">
-                <a:solidFill>
-                  <a:srgbClr val="0000FF"/>
-                </a:solidFill>
-                <a:latin typeface="Consolas" panose="020B0609020204030204" pitchFamily="49" charset="0"/>
-              </a:rPr>
-              <a:t>/&gt;</a:t>
-            </a:r>
-            <a:endParaRPr lang="en-US" sz="3600" dirty="0">
-              <a:solidFill>
-                <a:srgbClr val="000000"/>
-              </a:solidFill>
-              <a:latin typeface="Consolas" panose="020B0609020204030204" pitchFamily="49" charset="0"/>
-            </a:endParaRPr>
-          </a:p>
-          <a:p>
-            <a:pPr marL="0" indent="0">
-              <a:lnSpc>
-                <a:spcPct val="100000"/>
-              </a:lnSpc>
-              <a:spcBef>
-                <a:spcPts val="0"/>
-              </a:spcBef>
-              <a:buNone/>
-            </a:pPr>
-            <a:endParaRPr lang="en-US" sz="3600" dirty="0">
-              <a:solidFill>
-                <a:srgbClr val="000000"/>
-              </a:solidFill>
-              <a:latin typeface="Consolas" panose="020B0609020204030204" pitchFamily="49" charset="0"/>
-            </a:endParaRPr>
-          </a:p>
-          <a:p>
-            <a:pPr marL="0" indent="0">
-              <a:lnSpc>
-                <a:spcPct val="100000"/>
-              </a:lnSpc>
-              <a:spcBef>
-                <a:spcPts val="0"/>
-              </a:spcBef>
-              <a:buNone/>
-            </a:pPr>
-            <a:r>
-              <a:rPr lang="en-US" sz="3600" dirty="0">
-                <a:solidFill>
-                  <a:srgbClr val="0000FF"/>
-                </a:solidFill>
-                <a:latin typeface="Consolas" panose="020B0609020204030204" pitchFamily="49" charset="0"/>
-              </a:rPr>
-              <a:t>&lt;/</a:t>
-            </a:r>
-            <a:r>
-              <a:rPr lang="en-US" sz="3600" dirty="0">
-                <a:solidFill>
-                  <a:srgbClr val="A31515"/>
-                </a:solidFill>
-                <a:latin typeface="Consolas" panose="020B0609020204030204" pitchFamily="49" charset="0"/>
-              </a:rPr>
-              <a:t>Page</a:t>
-            </a:r>
-            <a:r>
-              <a:rPr lang="en-US" sz="3600" dirty="0">
-                <a:solidFill>
-                  <a:srgbClr val="0000FF"/>
-                </a:solidFill>
-                <a:latin typeface="Consolas" panose="020B0609020204030204" pitchFamily="49" charset="0"/>
-              </a:rPr>
-              <a:t>&gt;</a:t>
-            </a:r>
-            <a:endParaRPr lang="en-US" sz="3600" dirty="0">
-              <a:solidFill>
-                <a:srgbClr val="000000"/>
-              </a:solidFill>
-              <a:latin typeface="Consolas" panose="020B0609020204030204" pitchFamily="49" charset="0"/>
-            </a:endParaRPr>
+              <a:rPr lang="en-US" dirty="0"/>
+              <a:t>Draw!</a:t>
+            </a:r>
           </a:p>
         </p:txBody>
       </p:sp>
     </p:spTree>
     <p:extLst>
       <p:ext uri="{BB962C8B-B14F-4D97-AF65-F5344CB8AC3E}">
-        <p14:creationId xmlns:p14="http://schemas.microsoft.com/office/powerpoint/2010/main" val="975789828"/>
+        <p14:creationId xmlns:p14="http://schemas.microsoft.com/office/powerpoint/2010/main" val="329419918"/>
       </p:ext>
     </p:extLst>
   </p:cSld>
@@ -12146,69 +11894,12 @@
               </a:spcBef>
               <a:buNone/>
             </a:pPr>
-            <a:r>
-              <a:rPr lang="en-US" sz="3600" dirty="0">
-                <a:solidFill>
-                  <a:srgbClr val="0000FF"/>
-                </a:solidFill>
-                <a:latin typeface="Consolas" panose="020B0609020204030204" pitchFamily="49" charset="0"/>
-              </a:rPr>
-              <a:t>private void </a:t>
-            </a:r>
-            <a:r>
-              <a:rPr lang="en-US" sz="3600" dirty="0" err="1">
-                <a:solidFill>
-                  <a:srgbClr val="000000"/>
-                </a:solidFill>
-                <a:latin typeface="Consolas" panose="020B0609020204030204" pitchFamily="49" charset="0"/>
-              </a:rPr>
-              <a:t>OnPaintSurface</a:t>
-            </a:r>
-            <a:r>
-              <a:rPr lang="en-US" sz="3600" dirty="0">
-                <a:solidFill>
-                  <a:srgbClr val="000000"/>
-                </a:solidFill>
-                <a:latin typeface="Consolas" panose="020B0609020204030204" pitchFamily="49" charset="0"/>
-              </a:rPr>
-              <a:t>(</a:t>
-            </a:r>
-            <a:r>
-              <a:rPr lang="en-US" sz="3600" dirty="0">
-                <a:solidFill>
-                  <a:srgbClr val="0000FF"/>
-                </a:solidFill>
-                <a:latin typeface="Consolas" panose="020B0609020204030204" pitchFamily="49" charset="0"/>
-              </a:rPr>
-              <a:t>object</a:t>
-            </a:r>
-            <a:r>
-              <a:rPr lang="en-US" sz="3600" dirty="0">
-                <a:solidFill>
-                  <a:srgbClr val="000000"/>
-                </a:solidFill>
-                <a:latin typeface="Consolas" panose="020B0609020204030204" pitchFamily="49" charset="0"/>
-              </a:rPr>
-              <a:t> sender, </a:t>
-            </a:r>
-            <a:r>
-              <a:rPr lang="en-US" sz="3600" dirty="0" err="1">
-                <a:solidFill>
-                  <a:srgbClr val="00B0F0"/>
-                </a:solidFill>
-                <a:latin typeface="Consolas" panose="020B0609020204030204" pitchFamily="49" charset="0"/>
-              </a:rPr>
-              <a:t>SKPaintSurfaceEventArgs</a:t>
-            </a:r>
-            <a:r>
-              <a:rPr lang="en-US" sz="3600" dirty="0">
-                <a:solidFill>
-                  <a:srgbClr val="000000"/>
-                </a:solidFill>
-                <a:latin typeface="Consolas" panose="020B0609020204030204" pitchFamily="49" charset="0"/>
-              </a:rPr>
-              <a:t> e)</a:t>
-            </a:r>
+            <a:endParaRPr lang="en-US" sz="3600" dirty="0">
+              <a:solidFill>
+                <a:srgbClr val="0000FF"/>
+              </a:solidFill>
+              <a:latin typeface="Consolas" panose="020B0609020204030204" pitchFamily="49" charset="0"/>
+            </a:endParaRPr>
           </a:p>
           <a:p>
             <a:pPr marL="0" indent="0">
@@ -12220,15 +11911,12 @@
               </a:spcBef>
               <a:buNone/>
             </a:pPr>
-            <a:r>
-              <a:rPr lang="en-US" sz="3600" dirty="0">
-                <a:solidFill>
-                  <a:srgbClr val="000000"/>
-                </a:solidFill>
-                <a:latin typeface="Consolas" panose="020B0609020204030204" pitchFamily="49" charset="0"/>
-              </a:rPr>
-              <a:t>{</a:t>
-            </a:r>
+            <a:endParaRPr lang="en-US" sz="3600" dirty="0">
+              <a:solidFill>
+                <a:srgbClr val="0000FF"/>
+              </a:solidFill>
+              <a:latin typeface="Consolas" panose="020B0609020204030204" pitchFamily="49" charset="0"/>
+            </a:endParaRPr>
           </a:p>
           <a:p>
             <a:pPr marL="0" indent="0">
@@ -12240,18 +11928,9 @@
               </a:spcBef>
               <a:buNone/>
             </a:pPr>
-            <a:r>
-              <a:rPr lang="en-US" sz="3600" dirty="0">
-                <a:solidFill>
-                  <a:srgbClr val="008000"/>
-                </a:solidFill>
-                <a:latin typeface="Consolas" panose="020B0609020204030204" pitchFamily="49" charset="0"/>
-              </a:rPr>
-              <a:t>    // get the canvas so we can draw on the surface</a:t>
-            </a:r>
             <a:endParaRPr lang="en-US" sz="3600" dirty="0">
               <a:solidFill>
-                <a:srgbClr val="000000"/>
+                <a:srgbClr val="0000FF"/>
               </a:solidFill>
               <a:latin typeface="Consolas" panose="020B0609020204030204" pitchFamily="49" charset="0"/>
             </a:endParaRPr>
@@ -12273,35 +11952,95 @@
                 </a:solidFill>
                 <a:latin typeface="Consolas" panose="020B0609020204030204" pitchFamily="49" charset="0"/>
               </a:rPr>
-              <a:t>    var</a:t>
+              <a:t>&lt;</a:t>
             </a:r>
             <a:r>
               <a:rPr lang="en-US" sz="3600" dirty="0">
                 <a:solidFill>
-                  <a:srgbClr val="000000"/>
+                  <a:srgbClr val="A31515"/>
                 </a:solidFill>
                 <a:latin typeface="Consolas" panose="020B0609020204030204" pitchFamily="49" charset="0"/>
               </a:rPr>
-              <a:t> canvas = </a:t>
-            </a:r>
-            <a:r>
-              <a:rPr lang="en-US" sz="3600" dirty="0" err="1">
-                <a:solidFill>
-                  <a:srgbClr val="000000"/>
+              <a:t>Page</a:t>
+            </a:r>
+            <a:r>
+              <a:rPr lang="en-US" sz="3600" dirty="0">
+                <a:solidFill>
+                  <a:srgbClr val="0000FF"/>
                 </a:solidFill>
                 <a:latin typeface="Consolas" panose="020B0609020204030204" pitchFamily="49" charset="0"/>
               </a:rPr>
-              <a:t>e.Surface.Canvas</a:t>
+              <a:t> ...</a:t>
             </a:r>
             <a:r>
               <a:rPr lang="en-US" sz="3600" dirty="0">
                 <a:solidFill>
-                  <a:srgbClr val="000000"/>
+                  <a:srgbClr val="FF0000"/>
                 </a:solidFill>
                 <a:latin typeface="Consolas" panose="020B0609020204030204" pitchFamily="49" charset="0"/>
               </a:rPr>
-              <a:t>;</a:t>
-            </a:r>
+              <a:t> </a:t>
+            </a:r>
+            <a:r>
+              <a:rPr lang="en-US" sz="3600" dirty="0" err="1">
+                <a:solidFill>
+                  <a:srgbClr val="FF0000"/>
+                </a:solidFill>
+                <a:latin typeface="Consolas" panose="020B0609020204030204" pitchFamily="49" charset="0"/>
+              </a:rPr>
+              <a:t>xmlns</a:t>
+            </a:r>
+            <a:r>
+              <a:rPr lang="en-US" sz="3600" dirty="0" err="1">
+                <a:solidFill>
+                  <a:srgbClr val="0000FF"/>
+                </a:solidFill>
+                <a:latin typeface="Consolas" panose="020B0609020204030204" pitchFamily="49" charset="0"/>
+              </a:rPr>
+              <a:t>:</a:t>
+            </a:r>
+            <a:r>
+              <a:rPr lang="en-US" sz="3600" dirty="0" err="1">
+                <a:solidFill>
+                  <a:srgbClr val="FF0000"/>
+                </a:solidFill>
+                <a:latin typeface="Consolas" panose="020B0609020204030204" pitchFamily="49" charset="0"/>
+              </a:rPr>
+              <a:t>skia</a:t>
+            </a:r>
+            <a:r>
+              <a:rPr lang="en-US" sz="3600" dirty="0">
+                <a:solidFill>
+                  <a:srgbClr val="0000FF"/>
+                </a:solidFill>
+                <a:latin typeface="Consolas" panose="020B0609020204030204" pitchFamily="49" charset="0"/>
+              </a:rPr>
+              <a:t>="</a:t>
+            </a:r>
+            <a:r>
+              <a:rPr lang="en-US" sz="3600" dirty="0" err="1">
+                <a:solidFill>
+                  <a:srgbClr val="0000FF"/>
+                </a:solidFill>
+                <a:latin typeface="Consolas" panose="020B0609020204030204" pitchFamily="49" charset="0"/>
+              </a:rPr>
+              <a:t>using:SkiaSharp.Views.UWP</a:t>
+            </a:r>
+            <a:r>
+              <a:rPr lang="en-US" sz="3600" dirty="0">
+                <a:solidFill>
+                  <a:srgbClr val="0000FF"/>
+                </a:solidFill>
+                <a:latin typeface="Consolas" panose="020B0609020204030204" pitchFamily="49" charset="0"/>
+              </a:rPr>
+              <a:t>"&gt;</a:t>
+            </a:r>
+            <a:endParaRPr lang="en-US" sz="3600" dirty="0">
+              <a:solidFill>
+                <a:srgbClr val="000000"/>
+              </a:solidFill>
+              <a:latin typeface="Consolas" panose="020B0609020204030204" pitchFamily="49" charset="0"/>
+            </a:endParaRPr>
           </a:p>
           <a:p>
             <a:pPr marL="0" indent="0">
@@ -12333,11 +12072,110 @@
             <a:r>
               <a:rPr lang="en-US" sz="3600" dirty="0">
                 <a:solidFill>
-                  <a:srgbClr val="008000"/>
+                  <a:srgbClr val="000000"/>
                 </a:solidFill>
                 <a:latin typeface="Consolas" panose="020B0609020204030204" pitchFamily="49" charset="0"/>
               </a:rPr>
-              <a:t>    // make sure the canvas is blank</a:t>
+              <a:t>    </a:t>
+            </a:r>
+            <a:r>
+              <a:rPr lang="en-US" sz="3600" dirty="0">
+                <a:solidFill>
+                  <a:srgbClr val="0000FF"/>
+                </a:solidFill>
+                <a:latin typeface="Consolas" panose="020B0609020204030204" pitchFamily="49" charset="0"/>
+              </a:rPr>
+              <a:t>&lt;</a:t>
+            </a:r>
+            <a:r>
+              <a:rPr lang="en-US" sz="3600" dirty="0" err="1">
+                <a:solidFill>
+                  <a:srgbClr val="A31515"/>
+                </a:solidFill>
+                <a:latin typeface="Consolas" panose="020B0609020204030204" pitchFamily="49" charset="0"/>
+              </a:rPr>
+              <a:t>skia</a:t>
+            </a:r>
+            <a:r>
+              <a:rPr lang="en-US" sz="3600" dirty="0" err="1">
+                <a:solidFill>
+                  <a:srgbClr val="0000FF"/>
+                </a:solidFill>
+                <a:latin typeface="Consolas" panose="020B0609020204030204" pitchFamily="49" charset="0"/>
+              </a:rPr>
+              <a:t>:</a:t>
+            </a:r>
+            <a:r>
+              <a:rPr lang="en-US" sz="3600" dirty="0" err="1">
+                <a:solidFill>
+                  <a:srgbClr val="A31515"/>
+                </a:solidFill>
+                <a:latin typeface="Consolas" panose="020B0609020204030204" pitchFamily="49" charset="0"/>
+              </a:rPr>
+              <a:t>SKXamlCanvas</a:t>
+            </a:r>
+            <a:r>
+              <a:rPr lang="en-US" sz="3600" dirty="0">
+                <a:solidFill>
+                  <a:srgbClr val="FF0000"/>
+                </a:solidFill>
+                <a:latin typeface="Consolas" panose="020B0609020204030204" pitchFamily="49" charset="0"/>
+              </a:rPr>
+              <a:t> </a:t>
+            </a:r>
+            <a:r>
+              <a:rPr lang="en-US" sz="3600" dirty="0" err="1">
+                <a:solidFill>
+                  <a:srgbClr val="FF0000"/>
+                </a:solidFill>
+                <a:latin typeface="Consolas" panose="020B0609020204030204" pitchFamily="49" charset="0"/>
+              </a:rPr>
+              <a:t>PaintSurface</a:t>
+            </a:r>
+            <a:r>
+              <a:rPr lang="en-US" sz="3600" dirty="0">
+                <a:solidFill>
+                  <a:srgbClr val="0000FF"/>
+                </a:solidFill>
+                <a:latin typeface="Consolas" panose="020B0609020204030204" pitchFamily="49" charset="0"/>
+              </a:rPr>
+              <a:t>="</a:t>
+            </a:r>
+            <a:r>
+              <a:rPr lang="en-US" sz="3600" dirty="0" err="1">
+                <a:solidFill>
+                  <a:srgbClr val="0000FF"/>
+                </a:solidFill>
+                <a:latin typeface="Consolas" panose="020B0609020204030204" pitchFamily="49" charset="0"/>
+              </a:rPr>
+              <a:t>OnPaintSurface</a:t>
+            </a:r>
+            <a:r>
+              <a:rPr lang="en-US" sz="3600" dirty="0">
+                <a:solidFill>
+                  <a:srgbClr val="0000FF"/>
+                </a:solidFill>
+                <a:latin typeface="Consolas" panose="020B0609020204030204" pitchFamily="49" charset="0"/>
+              </a:rPr>
+              <a:t>"</a:t>
+            </a:r>
+            <a:r>
+              <a:rPr lang="en-US" sz="3600" dirty="0">
+                <a:solidFill>
+                  <a:srgbClr val="FF0000"/>
+                </a:solidFill>
+                <a:latin typeface="Consolas" panose="020B0609020204030204" pitchFamily="49" charset="0"/>
+              </a:rPr>
+              <a:t> </a:t>
+            </a:r>
+            <a:r>
+              <a:rPr lang="en-US" sz="3600" dirty="0">
+                <a:solidFill>
+                  <a:srgbClr val="0000FF"/>
+                </a:solidFill>
+                <a:latin typeface="Consolas" panose="020B0609020204030204" pitchFamily="49" charset="0"/>
+              </a:rPr>
+              <a:t>/&gt;</a:t>
             </a:r>
             <a:endParaRPr lang="en-US" sz="3600" dirty="0">
               <a:solidFill>
@@ -12345,71 +12183,6 @@
               </a:solidFill>
               <a:latin typeface="Consolas" panose="020B0609020204030204" pitchFamily="49" charset="0"/>
             </a:endParaRPr>
-          </a:p>
-          <a:p>
-            <a:pPr marL="0" indent="0">
-              <a:lnSpc>
-                <a:spcPct val="100000"/>
-              </a:lnSpc>
-              <a:spcBef>
-                <a:spcPts val="0"/>
-              </a:spcBef>
-              <a:buNone/>
-            </a:pPr>
-            <a:r>
-              <a:rPr lang="en-US" sz="3600" dirty="0">
-                <a:solidFill>
-                  <a:srgbClr val="000000"/>
-                </a:solidFill>
-                <a:latin typeface="Consolas" panose="020B0609020204030204" pitchFamily="49" charset="0"/>
-              </a:rPr>
-              <a:t>    </a:t>
-            </a:r>
-            <a:r>
-              <a:rPr lang="en-US" sz="3600" dirty="0" err="1">
-                <a:solidFill>
-                  <a:srgbClr val="000000"/>
-                </a:solidFill>
-                <a:latin typeface="Consolas" panose="020B0609020204030204" pitchFamily="49" charset="0"/>
-              </a:rPr>
-              <a:t>canvas.Clear</a:t>
-            </a:r>
-            <a:r>
-              <a:rPr lang="en-US" sz="3600" dirty="0">
-                <a:solidFill>
-                  <a:srgbClr val="000000"/>
-                </a:solidFill>
-                <a:latin typeface="Consolas" panose="020B0609020204030204" pitchFamily="49" charset="0"/>
-              </a:rPr>
-              <a:t>(</a:t>
-            </a:r>
-            <a:r>
-              <a:rPr lang="en-US" sz="3600" dirty="0" err="1">
-                <a:solidFill>
-                  <a:srgbClr val="00B0F0"/>
-                </a:solidFill>
-                <a:latin typeface="Consolas" panose="020B0609020204030204" pitchFamily="49" charset="0"/>
-              </a:rPr>
-              <a:t>SKColors</a:t>
-            </a:r>
-            <a:r>
-              <a:rPr lang="en-US" sz="3600" dirty="0" err="1">
-                <a:solidFill>
-                  <a:srgbClr val="000000"/>
-                </a:solidFill>
-                <a:latin typeface="Consolas" panose="020B0609020204030204" pitchFamily="49" charset="0"/>
-              </a:rPr>
-              <a:t>.White</a:t>
-            </a:r>
-            <a:r>
-              <a:rPr lang="en-US" sz="3600" dirty="0">
-                <a:solidFill>
-                  <a:srgbClr val="000000"/>
-                </a:solidFill>
-                <a:latin typeface="Consolas" panose="020B0609020204030204" pitchFamily="49" charset="0"/>
-              </a:rPr>
-              <a:t>);</a:t>
-            </a:r>
           </a:p>
           <a:p>
             <a:pPr marL="0" indent="0">
@@ -12441,11 +12214,29 @@
             <a:r>
               <a:rPr lang="en-US" sz="3600" dirty="0">
                 <a:solidFill>
-                  <a:srgbClr val="008000"/>
+                  <a:srgbClr val="0000FF"/>
                 </a:solidFill>
                 <a:latin typeface="Consolas" panose="020B0609020204030204" pitchFamily="49" charset="0"/>
               </a:rPr>
-              <a:t>    // create the solid red paint</a:t>
+              <a:t>&lt;/</a:t>
+            </a:r>
+            <a:r>
+              <a:rPr lang="en-US" sz="3600" dirty="0">
+                <a:solidFill>
+                  <a:srgbClr val="A31515"/>
+                </a:solidFill>
+                <a:latin typeface="Consolas" panose="020B0609020204030204" pitchFamily="49" charset="0"/>
+              </a:rPr>
+              <a:t>Page</a:t>
+            </a:r>
+            <a:r>
+              <a:rPr lang="en-US" sz="3600" dirty="0">
+                <a:solidFill>
+                  <a:srgbClr val="0000FF"/>
+                </a:solidFill>
+                <a:latin typeface="Consolas" panose="020B0609020204030204" pitchFamily="49" charset="0"/>
+              </a:rPr>
+              <a:t>&gt;</a:t>
             </a:r>
             <a:endParaRPr lang="en-US" sz="3600" dirty="0">
               <a:solidFill>
@@ -12454,6 +12245,100 @@
               <a:latin typeface="Consolas" panose="020B0609020204030204" pitchFamily="49" charset="0"/>
             </a:endParaRPr>
           </a:p>
+        </p:txBody>
+      </p:sp>
+    </p:spTree>
+    <p:extLst>
+      <p:ext uri="{BB962C8B-B14F-4D97-AF65-F5344CB8AC3E}">
+        <p14:creationId xmlns:p14="http://schemas.microsoft.com/office/powerpoint/2010/main" val="975789828"/>
+      </p:ext>
+    </p:extLst>
+  </p:cSld>
+  <p:clrMapOvr>
+    <a:masterClrMapping/>
+  </p:clrMapOvr>
+</p:sld>
+</file>
+
+<file path=ppt/slides/slide12.xml><?xml version="1.0" encoding="utf-8"?>
+<p:sld xmlns:a="http://schemas.openxmlformats.org/drawingml/2006/main" xmlns:r="http://schemas.openxmlformats.org/officeDocument/2006/relationships" xmlns:p="http://schemas.openxmlformats.org/presentationml/2006/main">
+  <p:cSld>
+    <p:spTree>
+      <p:nvGrpSpPr>
+        <p:cNvPr id="1" name=""/>
+        <p:cNvGrpSpPr/>
+        <p:nvPr/>
+      </p:nvGrpSpPr>
+      <p:grpSpPr>
+        <a:xfrm>
+          <a:off x="0" y="0"/>
+          <a:ext cx="0" cy="0"/>
+          <a:chOff x="0" y="0"/>
+          <a:chExt cx="0" cy="0"/>
+        </a:xfrm>
+      </p:grpSpPr>
+      <p:sp>
+        <p:nvSpPr>
+          <p:cNvPr id="2" name="Title 1">
+            <a:extLst>
+              <a:ext uri="{FF2B5EF4-FFF2-40B4-BE49-F238E27FC236}">
+                <a16:creationId xmlns:a16="http://schemas.microsoft.com/office/drawing/2014/main" id="{6FC47B1A-8A64-5349-BC62-B352E5ED4803}"/>
+              </a:ext>
+            </a:extLst>
+          </p:cNvPr>
+          <p:cNvSpPr>
+            <a:spLocks noGrp="1"/>
+          </p:cNvSpPr>
+          <p:nvPr>
+            <p:ph type="title"/>
+          </p:nvPr>
+        </p:nvSpPr>
+        <p:spPr>
+          <a:xfrm>
+            <a:off x="1246187" y="1396800"/>
+            <a:ext cx="18181637" cy="2083000"/>
+          </a:xfrm>
+        </p:spPr>
+        <p:txBody>
+          <a:bodyPr/>
+          <a:lstStyle/>
+          <a:p>
+            <a:r>
+              <a:rPr lang="en-US" b="1" dirty="0">
+                <a:latin typeface="+mj-lt"/>
+              </a:rPr>
+              <a:t>How can I draw on a view?</a:t>
+            </a:r>
+          </a:p>
+        </p:txBody>
+      </p:sp>
+      <p:sp>
+        <p:nvSpPr>
+          <p:cNvPr id="3" name="Content Placeholder 2">
+            <a:extLst>
+              <a:ext uri="{FF2B5EF4-FFF2-40B4-BE49-F238E27FC236}">
+                <a16:creationId xmlns:a16="http://schemas.microsoft.com/office/drawing/2014/main" id="{2D55299B-49B2-C843-B929-5EE3AF295217}"/>
+              </a:ext>
+            </a:extLst>
+          </p:cNvPr>
+          <p:cNvSpPr>
+            <a:spLocks noGrp="1"/>
+          </p:cNvSpPr>
+          <p:nvPr>
+            <p:ph idx="1"/>
+          </p:nvPr>
+        </p:nvSpPr>
+        <p:spPr>
+          <a:xfrm>
+            <a:off x="1266067" y="3752750"/>
+            <a:ext cx="21833646" cy="8170862"/>
+          </a:xfrm>
+        </p:spPr>
+        <p:txBody>
+          <a:bodyPr>
+            <a:normAutofit/>
+          </a:bodyPr>
+          <a:lstStyle/>
           <a:p>
             <a:pPr marL="0" indent="0">
               <a:lnSpc>
@@ -12471,62 +12356,73 @@
                 </a:solidFill>
                 <a:latin typeface="Consolas" panose="020B0609020204030204" pitchFamily="49" charset="0"/>
               </a:rPr>
-              <a:t>    using</a:t>
-            </a:r>
-            <a:r>
-              <a:rPr lang="en-US" sz="3600" dirty="0">
+              <a:t>private void </a:t>
+            </a:r>
+            <a:r>
+              <a:rPr lang="en-US" sz="3600" dirty="0" err="1">
                 <a:solidFill>
                   <a:srgbClr val="000000"/>
                 </a:solidFill>
                 <a:latin typeface="Consolas" panose="020B0609020204030204" pitchFamily="49" charset="0"/>
               </a:rPr>
-              <a:t> </a:t>
+              <a:t>OnPaintSurface</a:t>
             </a:r>
             <a:r>
               <a:rPr lang="en-US" sz="3600" dirty="0">
                 <a:solidFill>
-                  <a:srgbClr val="0000FF"/>
+                  <a:srgbClr val="000000"/>
                 </a:solidFill>
                 <a:latin typeface="Consolas" panose="020B0609020204030204" pitchFamily="49" charset="0"/>
               </a:rPr>
-              <a:t>var</a:t>
+              <a:t>(</a:t>
             </a:r>
             <a:r>
               <a:rPr lang="en-US" sz="3600" dirty="0">
                 <a:solidFill>
-                  <a:srgbClr val="000000"/>
+                  <a:srgbClr val="0000FF"/>
                 </a:solidFill>
                 <a:latin typeface="Consolas" panose="020B0609020204030204" pitchFamily="49" charset="0"/>
               </a:rPr>
-              <a:t> paint = </a:t>
+              <a:t>object</a:t>
             </a:r>
             <a:r>
               <a:rPr lang="en-US" sz="3600" dirty="0">
                 <a:solidFill>
-                  <a:srgbClr val="0000FF"/>
+                  <a:srgbClr val="000000"/>
                 </a:solidFill>
                 <a:latin typeface="Consolas" panose="020B0609020204030204" pitchFamily="49" charset="0"/>
               </a:rPr>
-              <a:t>new</a:t>
-            </a:r>
-            <a:r>
-              <a:rPr lang="en-US" sz="3600" dirty="0">
-                <a:solidFill>
-                  <a:srgbClr val="000000"/>
+              <a:t> sender, </a:t>
+            </a:r>
+            <a:r>
+              <a:rPr lang="en-US" sz="3600" dirty="0" err="1">
+                <a:solidFill>
+                  <a:srgbClr val="00B0F0"/>
                 </a:solidFill>
                 <a:latin typeface="Consolas" panose="020B0609020204030204" pitchFamily="49" charset="0"/>
               </a:rPr>
-              <a:t> </a:t>
-            </a:r>
-            <a:r>
-              <a:rPr lang="en-US" sz="3600" dirty="0" err="1">
-                <a:solidFill>
-                  <a:srgbClr val="00B0F0"/>
+              <a:t>SKPaintSurfaceEventArgs</a:t>
+            </a:r>
+            <a:r>
+              <a:rPr lang="en-US" sz="3600" dirty="0">
+                <a:solidFill>
+                  <a:srgbClr val="000000"/>
                 </a:solidFill>
                 <a:latin typeface="Consolas" panose="020B0609020204030204" pitchFamily="49" charset="0"/>
               </a:rPr>
-              <a:t>SKPaint</a:t>
-            </a:r>
+              <a:t> e)</a:t>
+            </a:r>
+          </a:p>
+          <a:p>
+            <a:pPr marL="0" indent="0">
+              <a:lnSpc>
+                <a:spcPct val="100000"/>
+              </a:lnSpc>
+              <a:spcBef>
+                <a:spcPts val="0"/>
+              </a:spcBef>
+              <a:buNone/>
+            </a:pPr>
             <a:r>
               <a:rPr lang="en-US" sz="3600" dirty="0">
                 <a:solidFill>
@@ -12534,25 +12430,53 @@
                 </a:solidFill>
                 <a:latin typeface="Consolas" panose="020B0609020204030204" pitchFamily="49" charset="0"/>
               </a:rPr>
-              <a:t> { Color = </a:t>
-            </a:r>
-            <a:r>
-              <a:rPr lang="en-US" sz="3600" dirty="0" err="1">
-                <a:solidFill>
-                  <a:srgbClr val="00B0F0"/>
+              <a:t>{</a:t>
+            </a:r>
+          </a:p>
+          <a:p>
+            <a:pPr marL="0" indent="0">
+              <a:lnSpc>
+                <a:spcPct val="100000"/>
+              </a:lnSpc>
+              <a:spcBef>
+                <a:spcPts val="0"/>
+              </a:spcBef>
+              <a:buNone/>
+            </a:pPr>
+            <a:r>
+              <a:rPr lang="en-US" sz="3600" dirty="0">
+                <a:solidFill>
+                  <a:srgbClr val="008000"/>
                 </a:solidFill>
                 <a:latin typeface="Consolas" panose="020B0609020204030204" pitchFamily="49" charset="0"/>
               </a:rPr>
-              <a:t>SKColors</a:t>
-            </a:r>
-            <a:r>
-              <a:rPr lang="en-US" sz="3600" dirty="0" err="1">
-                <a:solidFill>
-                  <a:srgbClr val="000000"/>
+              <a:t>    // get the canvas so we can draw on the surface</a:t>
+            </a:r>
+            <a:endParaRPr lang="en-US" sz="3600" dirty="0">
+              <a:solidFill>
+                <a:srgbClr val="000000"/>
+              </a:solidFill>
+              <a:latin typeface="Consolas" panose="020B0609020204030204" pitchFamily="49" charset="0"/>
+            </a:endParaRPr>
+          </a:p>
+          <a:p>
+            <a:pPr marL="0" indent="0">
+              <a:lnSpc>
+                <a:spcPct val="100000"/>
+              </a:lnSpc>
+              <a:spcBef>
+                <a:spcPts val="0"/>
+              </a:spcBef>
+              <a:buNone/>
+            </a:pPr>
+            <a:r>
+              <a:rPr lang="en-US" sz="3600" dirty="0">
+                <a:solidFill>
+                  <a:srgbClr val="0000FF"/>
                 </a:solidFill>
                 <a:latin typeface="Consolas" panose="020B0609020204030204" pitchFamily="49" charset="0"/>
               </a:rPr>
-              <a:t>.Red</a:t>
+              <a:t>    var</a:t>
             </a:r>
             <a:r>
               <a:rPr lang="en-US" sz="3600" dirty="0">
@@ -12561,34 +12485,25 @@
                 </a:solidFill>
                 <a:latin typeface="Consolas" panose="020B0609020204030204" pitchFamily="49" charset="0"/>
               </a:rPr>
-              <a:t>, Style = </a:t>
+              <a:t> canvas = </a:t>
             </a:r>
             <a:r>
               <a:rPr lang="en-US" sz="3600" dirty="0" err="1">
                 <a:solidFill>
-                  <a:srgbClr val="00B0F0"/>
+                  <a:srgbClr val="000000"/>
                 </a:solidFill>
                 <a:latin typeface="Consolas" panose="020B0609020204030204" pitchFamily="49" charset="0"/>
               </a:rPr>
-              <a:t>SKPaintStyle</a:t>
-            </a:r>
-            <a:r>
-              <a:rPr lang="en-US" sz="3600" dirty="0" err="1">
+              <a:t>e.Surface.Canvas</a:t>
+            </a:r>
+            <a:r>
+              <a:rPr lang="en-US" sz="3600" dirty="0">
                 <a:solidFill>
                   <a:srgbClr val="000000"/>
                 </a:solidFill>
                 <a:latin typeface="Consolas" panose="020B0609020204030204" pitchFamily="49" charset="0"/>
               </a:rPr>
-              <a:t>.Fill</a:t>
-            </a:r>
-            <a:r>
-              <a:rPr lang="en-US" sz="3600" dirty="0">
-                <a:solidFill>
-                  <a:srgbClr val="000000"/>
-                </a:solidFill>
-                <a:latin typeface="Consolas" panose="020B0609020204030204" pitchFamily="49" charset="0"/>
-              </a:rPr>
-              <a:t> };</a:t>
+              <a:t>;</a:t>
             </a:r>
           </a:p>
           <a:p>
@@ -12625,6 +12540,294 @@
                 </a:solidFill>
                 <a:latin typeface="Consolas" panose="020B0609020204030204" pitchFamily="49" charset="0"/>
               </a:rPr>
+              <a:t>    // make sure the canvas is blank</a:t>
+            </a:r>
+            <a:endParaRPr lang="en-US" sz="3600" dirty="0">
+              <a:solidFill>
+                <a:srgbClr val="000000"/>
+              </a:solidFill>
+              <a:latin typeface="Consolas" panose="020B0609020204030204" pitchFamily="49" charset="0"/>
+            </a:endParaRPr>
+          </a:p>
+          <a:p>
+            <a:pPr marL="0" indent="0">
+              <a:lnSpc>
+                <a:spcPct val="100000"/>
+              </a:lnSpc>
+              <a:spcBef>
+                <a:spcPts val="0"/>
+              </a:spcBef>
+              <a:buNone/>
+            </a:pPr>
+            <a:r>
+              <a:rPr lang="en-US" sz="3600" dirty="0">
+                <a:solidFill>
+                  <a:srgbClr val="000000"/>
+                </a:solidFill>
+                <a:latin typeface="Consolas" panose="020B0609020204030204" pitchFamily="49" charset="0"/>
+              </a:rPr>
+              <a:t>    </a:t>
+            </a:r>
+            <a:r>
+              <a:rPr lang="en-US" sz="3600" dirty="0" err="1">
+                <a:solidFill>
+                  <a:srgbClr val="000000"/>
+                </a:solidFill>
+                <a:latin typeface="Consolas" panose="020B0609020204030204" pitchFamily="49" charset="0"/>
+              </a:rPr>
+              <a:t>canvas.Clear</a:t>
+            </a:r>
+            <a:r>
+              <a:rPr lang="en-US" sz="3600" dirty="0">
+                <a:solidFill>
+                  <a:srgbClr val="000000"/>
+                </a:solidFill>
+                <a:latin typeface="Consolas" panose="020B0609020204030204" pitchFamily="49" charset="0"/>
+              </a:rPr>
+              <a:t>(</a:t>
+            </a:r>
+            <a:r>
+              <a:rPr lang="en-US" sz="3600" dirty="0" err="1">
+                <a:solidFill>
+                  <a:srgbClr val="00B0F0"/>
+                </a:solidFill>
+                <a:latin typeface="Consolas" panose="020B0609020204030204" pitchFamily="49" charset="0"/>
+              </a:rPr>
+              <a:t>SKColors</a:t>
+            </a:r>
+            <a:r>
+              <a:rPr lang="en-US" sz="3600" dirty="0" err="1">
+                <a:solidFill>
+                  <a:srgbClr val="000000"/>
+                </a:solidFill>
+                <a:latin typeface="Consolas" panose="020B0609020204030204" pitchFamily="49" charset="0"/>
+              </a:rPr>
+              <a:t>.White</a:t>
+            </a:r>
+            <a:r>
+              <a:rPr lang="en-US" sz="3600" dirty="0">
+                <a:solidFill>
+                  <a:srgbClr val="000000"/>
+                </a:solidFill>
+                <a:latin typeface="Consolas" panose="020B0609020204030204" pitchFamily="49" charset="0"/>
+              </a:rPr>
+              <a:t>);</a:t>
+            </a:r>
+          </a:p>
+          <a:p>
+            <a:pPr marL="0" indent="0">
+              <a:lnSpc>
+                <a:spcPct val="100000"/>
+              </a:lnSpc>
+              <a:spcBef>
+                <a:spcPts val="0"/>
+              </a:spcBef>
+              <a:buNone/>
+            </a:pPr>
+            <a:endParaRPr lang="en-US" sz="3600" dirty="0">
+              <a:solidFill>
+                <a:srgbClr val="000000"/>
+              </a:solidFill>
+              <a:latin typeface="Consolas" panose="020B0609020204030204" pitchFamily="49" charset="0"/>
+            </a:endParaRPr>
+          </a:p>
+          <a:p>
+            <a:pPr marL="0" indent="0">
+              <a:lnSpc>
+                <a:spcPct val="100000"/>
+              </a:lnSpc>
+              <a:spcBef>
+                <a:spcPts val="0"/>
+              </a:spcBef>
+              <a:buNone/>
+            </a:pPr>
+            <a:r>
+              <a:rPr lang="en-US" sz="3600" dirty="0">
+                <a:solidFill>
+                  <a:srgbClr val="008000"/>
+                </a:solidFill>
+                <a:latin typeface="Consolas" panose="020B0609020204030204" pitchFamily="49" charset="0"/>
+              </a:rPr>
+              <a:t>    // create the solid red paint</a:t>
+            </a:r>
+            <a:endParaRPr lang="en-US" sz="3600" dirty="0">
+              <a:solidFill>
+                <a:srgbClr val="000000"/>
+              </a:solidFill>
+              <a:latin typeface="Consolas" panose="020B0609020204030204" pitchFamily="49" charset="0"/>
+            </a:endParaRPr>
+          </a:p>
+          <a:p>
+            <a:pPr marL="0" indent="0">
+              <a:lnSpc>
+                <a:spcPct val="100000"/>
+              </a:lnSpc>
+              <a:spcBef>
+                <a:spcPts val="0"/>
+              </a:spcBef>
+              <a:buNone/>
+            </a:pPr>
+            <a:r>
+              <a:rPr lang="en-US" sz="3600" dirty="0">
+                <a:solidFill>
+                  <a:srgbClr val="0000FF"/>
+                </a:solidFill>
+                <a:latin typeface="Consolas" panose="020B0609020204030204" pitchFamily="49" charset="0"/>
+              </a:rPr>
+              <a:t>    using</a:t>
+            </a:r>
+            <a:r>
+              <a:rPr lang="en-US" sz="3600" dirty="0">
+                <a:solidFill>
+                  <a:srgbClr val="000000"/>
+                </a:solidFill>
+                <a:latin typeface="Consolas" panose="020B0609020204030204" pitchFamily="49" charset="0"/>
+              </a:rPr>
+              <a:t> </a:t>
+            </a:r>
+            <a:r>
+              <a:rPr lang="en-US" sz="3600" dirty="0">
+                <a:solidFill>
+                  <a:srgbClr val="0000FF"/>
+                </a:solidFill>
+                <a:latin typeface="Consolas" panose="020B0609020204030204" pitchFamily="49" charset="0"/>
+              </a:rPr>
+              <a:t>var</a:t>
+            </a:r>
+            <a:r>
+              <a:rPr lang="en-US" sz="3600" dirty="0">
+                <a:solidFill>
+                  <a:srgbClr val="000000"/>
+                </a:solidFill>
+                <a:latin typeface="Consolas" panose="020B0609020204030204" pitchFamily="49" charset="0"/>
+              </a:rPr>
+              <a:t> paint = </a:t>
+            </a:r>
+            <a:r>
+              <a:rPr lang="en-US" sz="3600" dirty="0">
+                <a:solidFill>
+                  <a:srgbClr val="0000FF"/>
+                </a:solidFill>
+                <a:latin typeface="Consolas" panose="020B0609020204030204" pitchFamily="49" charset="0"/>
+              </a:rPr>
+              <a:t>new</a:t>
+            </a:r>
+            <a:r>
+              <a:rPr lang="en-US" sz="3600" dirty="0">
+                <a:solidFill>
+                  <a:srgbClr val="000000"/>
+                </a:solidFill>
+                <a:latin typeface="Consolas" panose="020B0609020204030204" pitchFamily="49" charset="0"/>
+              </a:rPr>
+              <a:t> </a:t>
+            </a:r>
+            <a:r>
+              <a:rPr lang="en-US" sz="3600" dirty="0" err="1">
+                <a:solidFill>
+                  <a:srgbClr val="00B0F0"/>
+                </a:solidFill>
+                <a:latin typeface="Consolas" panose="020B0609020204030204" pitchFamily="49" charset="0"/>
+              </a:rPr>
+              <a:t>SKPaint</a:t>
+            </a:r>
+            <a:r>
+              <a:rPr lang="en-US" sz="3600" dirty="0">
+                <a:solidFill>
+                  <a:srgbClr val="000000"/>
+                </a:solidFill>
+                <a:latin typeface="Consolas" panose="020B0609020204030204" pitchFamily="49" charset="0"/>
+              </a:rPr>
+              <a:t> { Color = </a:t>
+            </a:r>
+            <a:r>
+              <a:rPr lang="en-US" sz="3600" dirty="0" err="1">
+                <a:solidFill>
+                  <a:srgbClr val="00B0F0"/>
+                </a:solidFill>
+                <a:latin typeface="Consolas" panose="020B0609020204030204" pitchFamily="49" charset="0"/>
+              </a:rPr>
+              <a:t>SKColors</a:t>
+            </a:r>
+            <a:r>
+              <a:rPr lang="en-US" sz="3600" dirty="0" err="1">
+                <a:solidFill>
+                  <a:srgbClr val="000000"/>
+                </a:solidFill>
+                <a:latin typeface="Consolas" panose="020B0609020204030204" pitchFamily="49" charset="0"/>
+              </a:rPr>
+              <a:t>.Red</a:t>
+            </a:r>
+            <a:r>
+              <a:rPr lang="en-US" sz="3600" dirty="0">
+                <a:solidFill>
+                  <a:srgbClr val="000000"/>
+                </a:solidFill>
+                <a:latin typeface="Consolas" panose="020B0609020204030204" pitchFamily="49" charset="0"/>
+              </a:rPr>
+              <a:t>, Style = </a:t>
+            </a:r>
+            <a:r>
+              <a:rPr lang="en-US" sz="3600" dirty="0" err="1">
+                <a:solidFill>
+                  <a:srgbClr val="00B0F0"/>
+                </a:solidFill>
+                <a:latin typeface="Consolas" panose="020B0609020204030204" pitchFamily="49" charset="0"/>
+              </a:rPr>
+              <a:t>SKPaintStyle</a:t>
+            </a:r>
+            <a:r>
+              <a:rPr lang="en-US" sz="3600" dirty="0" err="1">
+                <a:solidFill>
+                  <a:srgbClr val="000000"/>
+                </a:solidFill>
+                <a:latin typeface="Consolas" panose="020B0609020204030204" pitchFamily="49" charset="0"/>
+              </a:rPr>
+              <a:t>.Fill</a:t>
+            </a:r>
+            <a:r>
+              <a:rPr lang="en-US" sz="3600" dirty="0">
+                <a:solidFill>
+                  <a:srgbClr val="000000"/>
+                </a:solidFill>
+                <a:latin typeface="Consolas" panose="020B0609020204030204" pitchFamily="49" charset="0"/>
+              </a:rPr>
+              <a:t> };</a:t>
+            </a:r>
+          </a:p>
+          <a:p>
+            <a:pPr marL="0" indent="0">
+              <a:lnSpc>
+                <a:spcPct val="100000"/>
+              </a:lnSpc>
+              <a:spcBef>
+                <a:spcPts val="0"/>
+              </a:spcBef>
+              <a:buNone/>
+            </a:pPr>
+            <a:endParaRPr lang="en-US" sz="3600" dirty="0">
+              <a:solidFill>
+                <a:srgbClr val="000000"/>
+              </a:solidFill>
+              <a:latin typeface="Consolas" panose="020B0609020204030204" pitchFamily="49" charset="0"/>
+            </a:endParaRPr>
+          </a:p>
+          <a:p>
+            <a:pPr marL="0" indent="0">
+              <a:lnSpc>
+                <a:spcPct val="100000"/>
+              </a:lnSpc>
+              <a:spcBef>
+                <a:spcPts val="0"/>
+              </a:spcBef>
+              <a:buNone/>
+            </a:pPr>
+            <a:r>
+              <a:rPr lang="en-US" sz="3600" dirty="0">
+                <a:solidFill>
+                  <a:srgbClr val="008000"/>
+                </a:solidFill>
+                <a:latin typeface="Consolas" panose="020B0609020204030204" pitchFamily="49" charset="0"/>
+              </a:rPr>
               <a:t>    // draw a red rectangle</a:t>
             </a:r>
           </a:p>
@@ -12729,7 +12932,7 @@
 </p:sld>
 </file>
 
-<file path=ppt/slides/slide12.xml><?xml version="1.0" encoding="utf-8"?>
+<file path=ppt/slides/slide13.xml><?xml version="1.0" encoding="utf-8"?>
 <p:sld xmlns:a="http://schemas.openxmlformats.org/drawingml/2006/main" xmlns:r="http://schemas.openxmlformats.org/officeDocument/2006/relationships" xmlns:p="http://schemas.openxmlformats.org/presentationml/2006/main">
   <p:cSld>
     <p:spTree>
@@ -12815,7 +13018,7 @@
 </p:sld>
 </file>
 
-<file path=ppt/slides/slide13.xml><?xml version="1.0" encoding="utf-8"?>
+<file path=ppt/slides/slide14.xml><?xml version="1.0" encoding="utf-8"?>
 <p:sld xmlns:a="http://schemas.openxmlformats.org/drawingml/2006/main" xmlns:r="http://schemas.openxmlformats.org/officeDocument/2006/relationships" xmlns:p="http://schemas.openxmlformats.org/presentationml/2006/main">
   <p:cSld>
     <p:spTree>
@@ -12959,7 +13162,7 @@
 </p:sld>
 </file>
 
-<file path=ppt/slides/slide14.xml><?xml version="1.0" encoding="utf-8"?>
+<file path=ppt/slides/slide15.xml><?xml version="1.0" encoding="utf-8"?>
 <p:sld xmlns:a="http://schemas.openxmlformats.org/drawingml/2006/main" xmlns:r="http://schemas.openxmlformats.org/officeDocument/2006/relationships" xmlns:p="http://schemas.openxmlformats.org/presentationml/2006/main">
   <p:cSld>
     <p:spTree>
@@ -13690,6 +13893,18 @@
               </a:lnSpc>
             </a:pPr>
             <a:r>
+              <a:rPr lang="en-US"/>
+              <a:t>Immediate mode rendering</a:t>
+            </a:r>
+            <a:endParaRPr lang="en-US" dirty="0"/>
+          </a:p>
+          <a:p>
+            <a:pPr>
+              <a:lnSpc>
+                <a:spcPct val="100000"/>
+              </a:lnSpc>
+            </a:pPr>
+            <a:r>
               <a:rPr lang="en-US" dirty="0"/>
               <a:t>Hardware rendering for OpenGL, DirectX, Metal and more</a:t>
             </a:r>
@@ -13904,27 +14119,13 @@
             </a:pPr>
             <a:r>
               <a:rPr lang="en-US" dirty="0"/>
-              <a:t>Maintained by Microsoft</a:t>
-            </a:r>
-          </a:p>
-          <a:p>
-            <a:pPr>
-              <a:lnSpc>
-                <a:spcPct val="100000"/>
-              </a:lnSpc>
-            </a:pPr>
-            <a:r>
-              <a:rPr lang="en-US" dirty="0"/>
-              <a:t>Found on NuGet: “</a:t>
-            </a:r>
-            <a:r>
-              <a:rPr lang="en-US" dirty="0" err="1"/>
-              <a:t>SkiaSharp</a:t>
-            </a:r>
-            <a:r>
-              <a:rPr lang="en-US" dirty="0"/>
-              <a:t>”</a:t>
-            </a:r>
+              <a:t>Maintained </a:t>
+            </a:r>
+            <a:r>
+              <a:rPr lang="en-US"/>
+              <a:t>by Microsoft</a:t>
+            </a:r>
+            <a:endParaRPr lang="en-US" dirty="0"/>
           </a:p>
         </p:txBody>
       </p:sp>
@@ -14910,6 +15111,123 @@
       </p:grpSpPr>
       <p:sp>
         <p:nvSpPr>
+          <p:cNvPr id="2" name="Title 1">
+            <a:extLst>
+              <a:ext uri="{FF2B5EF4-FFF2-40B4-BE49-F238E27FC236}">
+                <a16:creationId xmlns:a16="http://schemas.microsoft.com/office/drawing/2014/main" id="{6FC47B1A-8A64-5349-BC62-B352E5ED4803}"/>
+              </a:ext>
+            </a:extLst>
+          </p:cNvPr>
+          <p:cNvSpPr>
+            <a:spLocks noGrp="1"/>
+          </p:cNvSpPr>
+          <p:nvPr>
+            <p:ph type="title"/>
+          </p:nvPr>
+        </p:nvSpPr>
+        <p:spPr>
+          <a:xfrm>
+            <a:off x="1246188" y="1396800"/>
+            <a:ext cx="14509750" cy="2083000"/>
+          </a:xfrm>
+        </p:spPr>
+        <p:txBody>
+          <a:bodyPr/>
+          <a:lstStyle/>
+          <a:p>
+            <a:r>
+              <a:rPr lang="en-US" b="1" dirty="0">
+                <a:latin typeface="+mj-lt"/>
+              </a:rPr>
+              <a:t>How does it all work?</a:t>
+            </a:r>
+          </a:p>
+        </p:txBody>
+      </p:sp>
+      <p:sp>
+        <p:nvSpPr>
+          <p:cNvPr id="4" name="Rectangle 3">
+            <a:extLst>
+              <a:ext uri="{FF2B5EF4-FFF2-40B4-BE49-F238E27FC236}">
+                <a16:creationId xmlns:a16="http://schemas.microsoft.com/office/drawing/2014/main" id="{6A940C09-CB6D-45B8-97F3-EA3AB6E971D9}"/>
+              </a:ext>
+            </a:extLst>
+          </p:cNvPr>
+          <p:cNvSpPr/>
+          <p:nvPr/>
+        </p:nvSpPr>
+        <p:spPr>
+          <a:xfrm>
+            <a:off x="10354537" y="4989839"/>
+            <a:ext cx="3657600" cy="5486400"/>
+          </a:xfrm>
+          <a:prstGeom prst="rect">
+            <a:avLst/>
+          </a:prstGeom>
+          <a:solidFill>
+            <a:srgbClr val="FF0000"/>
+          </a:solidFill>
+          <a:ln>
+            <a:noFill/>
+          </a:ln>
+        </p:spPr>
+        <p:style>
+          <a:lnRef idx="2">
+            <a:schemeClr val="accent1">
+              <a:shade val="50000"/>
+            </a:schemeClr>
+          </a:lnRef>
+          <a:fillRef idx="1">
+            <a:schemeClr val="accent1"/>
+          </a:fillRef>
+          <a:effectRef idx="0">
+            <a:schemeClr val="accent1"/>
+          </a:effectRef>
+          <a:fontRef idx="minor">
+            <a:schemeClr val="lt1"/>
+          </a:fontRef>
+        </p:style>
+        <p:txBody>
+          <a:bodyPr rtlCol="0" anchor="ctr"/>
+          <a:lstStyle/>
+          <a:p>
+            <a:pPr algn="ctr"/>
+            <a:endParaRPr lang="en-US"/>
+          </a:p>
+        </p:txBody>
+      </p:sp>
+    </p:spTree>
+    <p:extLst>
+      <p:ext uri="{BB962C8B-B14F-4D97-AF65-F5344CB8AC3E}">
+        <p14:creationId xmlns:p14="http://schemas.microsoft.com/office/powerpoint/2010/main" val="2541025523"/>
+      </p:ext>
+    </p:extLst>
+  </p:cSld>
+  <p:clrMapOvr>
+    <a:masterClrMapping/>
+  </p:clrMapOvr>
+</p:sld>
+</file>
+
+<file path=ppt/slides/slide9.xml><?xml version="1.0" encoding="utf-8"?>
+<p:sld xmlns:a="http://schemas.openxmlformats.org/drawingml/2006/main" xmlns:r="http://schemas.openxmlformats.org/officeDocument/2006/relationships" xmlns:p="http://schemas.openxmlformats.org/presentationml/2006/main">
+  <p:cSld>
+    <p:spTree>
+      <p:nvGrpSpPr>
+        <p:cNvPr id="1" name=""/>
+        <p:cNvGrpSpPr/>
+        <p:nvPr/>
+      </p:nvGrpSpPr>
+      <p:grpSpPr>
+        <a:xfrm>
+          <a:off x="0" y="0"/>
+          <a:ext cx="0" cy="0"/>
+          <a:chOff x="0" y="0"/>
+          <a:chExt cx="0" cy="0"/>
+        </a:xfrm>
+      </p:grpSpPr>
+      <p:sp>
+        <p:nvSpPr>
           <p:cNvPr id="21" name="TextBox 20">
             <a:extLst>
               <a:ext uri="{FF2B5EF4-FFF2-40B4-BE49-F238E27FC236}">
@@ -15113,208 +15431,6 @@
     <p:extLst>
       <p:ext uri="{BB962C8B-B14F-4D97-AF65-F5344CB8AC3E}">
         <p14:creationId xmlns:p14="http://schemas.microsoft.com/office/powerpoint/2010/main" val="2148232963"/>
-      </p:ext>
-    </p:extLst>
-  </p:cSld>
-  <p:clrMapOvr>
-    <a:masterClrMapping/>
-  </p:clrMapOvr>
-</p:sld>
-</file>
-
-<file path=ppt/slides/slide9.xml><?xml version="1.0" encoding="utf-8"?>
-<p:sld xmlns:a="http://schemas.openxmlformats.org/drawingml/2006/main" xmlns:r="http://schemas.openxmlformats.org/officeDocument/2006/relationships" xmlns:p="http://schemas.openxmlformats.org/presentationml/2006/main">
-  <p:cSld>
-    <p:spTree>
-      <p:nvGrpSpPr>
-        <p:cNvPr id="1" name=""/>
-        <p:cNvGrpSpPr/>
-        <p:nvPr/>
-      </p:nvGrpSpPr>
-      <p:grpSpPr>
-        <a:xfrm>
-          <a:off x="0" y="0"/>
-          <a:ext cx="0" cy="0"/>
-          <a:chOff x="0" y="0"/>
-          <a:chExt cx="0" cy="0"/>
-        </a:xfrm>
-      </p:grpSpPr>
-      <p:sp>
-        <p:nvSpPr>
-          <p:cNvPr id="2" name="Title 1">
-            <a:extLst>
-              <a:ext uri="{FF2B5EF4-FFF2-40B4-BE49-F238E27FC236}">
-                <a16:creationId xmlns:a16="http://schemas.microsoft.com/office/drawing/2014/main" id="{6FC47B1A-8A64-5349-BC62-B352E5ED4803}"/>
-              </a:ext>
-            </a:extLst>
-          </p:cNvPr>
-          <p:cNvSpPr>
-            <a:spLocks noGrp="1"/>
-          </p:cNvSpPr>
-          <p:nvPr>
-            <p:ph type="title"/>
-          </p:nvPr>
-        </p:nvSpPr>
-        <p:spPr>
-          <a:xfrm>
-            <a:off x="1246187" y="1396800"/>
-            <a:ext cx="18181637" cy="2083000"/>
-          </a:xfrm>
-        </p:spPr>
-        <p:txBody>
-          <a:bodyPr/>
-          <a:lstStyle/>
-          <a:p>
-            <a:r>
-              <a:rPr lang="en-US" b="1" dirty="0">
-                <a:latin typeface="+mj-lt"/>
-              </a:rPr>
-              <a:t>How can I draw on a view?</a:t>
-            </a:r>
-          </a:p>
-        </p:txBody>
-      </p:sp>
-      <p:sp>
-        <p:nvSpPr>
-          <p:cNvPr id="3" name="Content Placeholder 2">
-            <a:extLst>
-              <a:ext uri="{FF2B5EF4-FFF2-40B4-BE49-F238E27FC236}">
-                <a16:creationId xmlns:a16="http://schemas.microsoft.com/office/drawing/2014/main" id="{2D55299B-49B2-C843-B929-5EE3AF295217}"/>
-              </a:ext>
-            </a:extLst>
-          </p:cNvPr>
-          <p:cNvSpPr>
-            <a:spLocks noGrp="1"/>
-          </p:cNvSpPr>
-          <p:nvPr>
-            <p:ph idx="1"/>
-          </p:nvPr>
-        </p:nvSpPr>
-        <p:spPr>
-          <a:xfrm>
-            <a:off x="1266067" y="3752750"/>
-            <a:ext cx="21833646" cy="8170862"/>
-          </a:xfrm>
-        </p:spPr>
-        <p:txBody>
-          <a:bodyPr/>
-          <a:lstStyle/>
-          <a:p>
-            <a:pPr>
-              <a:lnSpc>
-                <a:spcPct val="100000"/>
-              </a:lnSpc>
-            </a:pPr>
-            <a:r>
-              <a:rPr lang="en-US" dirty="0"/>
-              <a:t>Install the “</a:t>
-            </a:r>
-            <a:r>
-              <a:rPr lang="en-US" dirty="0" err="1"/>
-              <a:t>SkiaSharp.Views.Uno</a:t>
-            </a:r>
-            <a:r>
-              <a:rPr lang="en-US" dirty="0"/>
-              <a:t>” NuGet</a:t>
-            </a:r>
-          </a:p>
-          <a:p>
-            <a:pPr>
-              <a:lnSpc>
-                <a:spcPct val="100000"/>
-              </a:lnSpc>
-            </a:pPr>
-            <a:r>
-              <a:rPr lang="en-US" dirty="0"/>
-              <a:t>Add one of the pre-built </a:t>
-            </a:r>
-            <a:r>
-              <a:rPr lang="en-US" dirty="0" err="1"/>
-              <a:t>SkiaSharp</a:t>
-            </a:r>
-            <a:r>
-              <a:rPr lang="en-US" dirty="0"/>
-              <a:t> views for Uno Platform:</a:t>
-            </a:r>
-          </a:p>
-          <a:p>
-            <a:pPr lvl="1">
-              <a:lnSpc>
-                <a:spcPct val="100000"/>
-              </a:lnSpc>
-            </a:pPr>
-            <a:r>
-              <a:rPr lang="en-US" dirty="0"/>
-              <a:t>CPU: </a:t>
-            </a:r>
-            <a:r>
-              <a:rPr lang="en-US" b="1" dirty="0" err="1">
-                <a:latin typeface="Consolas" panose="020B0609020204030204" pitchFamily="49" charset="0"/>
-              </a:rPr>
-              <a:t>SKXamlCanvas</a:t>
-            </a:r>
-            <a:endParaRPr lang="en-US" b="1" dirty="0">
-              <a:latin typeface="Consolas" panose="020B0609020204030204" pitchFamily="49" charset="0"/>
-            </a:endParaRPr>
-          </a:p>
-          <a:p>
-            <a:pPr lvl="1">
-              <a:lnSpc>
-                <a:spcPct val="100000"/>
-              </a:lnSpc>
-            </a:pPr>
-            <a:r>
-              <a:rPr lang="en-US" dirty="0"/>
-              <a:t>GPU: </a:t>
-            </a:r>
-            <a:r>
-              <a:rPr lang="en-US" b="1" dirty="0" err="1">
-                <a:latin typeface="Consolas" panose="020B0609020204030204" pitchFamily="49" charset="0"/>
-              </a:rPr>
-              <a:t>SKSwapChainPanel</a:t>
-            </a:r>
-            <a:endParaRPr lang="en-US" b="1" dirty="0">
-              <a:latin typeface="Consolas" panose="020B0609020204030204" pitchFamily="49" charset="0"/>
-            </a:endParaRPr>
-          </a:p>
-          <a:p>
-            <a:pPr>
-              <a:lnSpc>
-                <a:spcPct val="100000"/>
-              </a:lnSpc>
-            </a:pPr>
-            <a:r>
-              <a:rPr lang="en-US" dirty="0"/>
-              <a:t>Subscribe to the </a:t>
-            </a:r>
-            <a:r>
-              <a:rPr lang="en-US" b="1" dirty="0" err="1">
-                <a:latin typeface="Consolas" panose="020B0609020204030204" pitchFamily="49" charset="0"/>
-              </a:rPr>
-              <a:t>PaintSurface</a:t>
-            </a:r>
-            <a:r>
-              <a:rPr lang="en-US" dirty="0"/>
-              <a:t> event</a:t>
-            </a:r>
-          </a:p>
-          <a:p>
-            <a:pPr>
-              <a:lnSpc>
-                <a:spcPct val="100000"/>
-              </a:lnSpc>
-            </a:pPr>
-            <a:r>
-              <a:rPr lang="en-US" dirty="0"/>
-              <a:t>Draw!</a:t>
-            </a:r>
-          </a:p>
-        </p:txBody>
-      </p:sp>
-    </p:spTree>
-    <p:extLst>
-      <p:ext uri="{BB962C8B-B14F-4D97-AF65-F5344CB8AC3E}">
-        <p14:creationId xmlns:p14="http://schemas.microsoft.com/office/powerpoint/2010/main" val="329419918"/>
       </p:ext>
     </p:extLst>
   </p:cSld>
@@ -16176,15 +16292,6 @@
 </file>
 
 <file path=customXml/item1.xml><?xml version="1.0" encoding="utf-8"?>
-<?mso-contentType ?>
-<FormTemplates xmlns="http://schemas.microsoft.com/sharepoint/v3/contenttype/forms">
-  <Display>DocumentLibraryForm</Display>
-  <Edit>DocumentLibraryForm</Edit>
-  <New>DocumentLibraryForm</New>
-</FormTemplates>
-</file>
-
-<file path=customXml/item2.xml><?xml version="1.0" encoding="utf-8"?>
 <ct:contentTypeSchema xmlns:ct="http://schemas.microsoft.com/office/2006/metadata/contentType" xmlns:ma="http://schemas.microsoft.com/office/2006/metadata/properties/metaAttributes" ct:_="" ma:_="" ma:contentTypeName="Document" ma:contentTypeID="0x0101008E7D608EF5922E4F9A1A945C4E256D26" ma:contentTypeVersion="11" ma:contentTypeDescription="Create a new document." ma:contentTypeScope="" ma:versionID="64649f1c5bc3d5d6995ab6472c1660bb">
   <xsd:schema xmlns:xsd="http://www.w3.org/2001/XMLSchema" xmlns:xs="http://www.w3.org/2001/XMLSchema" xmlns:p="http://schemas.microsoft.com/office/2006/metadata/properties" xmlns:ns2="2f57147f-97e9-408c-b2d8-f56e86b6192a" xmlns:ns3="86b70be8-ed1e-4261-8848-1edaa3d5467c" targetNamespace="http://schemas.microsoft.com/office/2006/metadata/properties" ma:root="true" ma:fieldsID="77106153018dcb53b6f8bc2638ac1fe1" ns2:_="" ns3:_="">
     <xsd:import namespace="2f57147f-97e9-408c-b2d8-f56e86b6192a"/>
@@ -16395,6 +16502,15 @@
 </ct:contentTypeSchema>
 </file>
 
+<file path=customXml/item2.xml><?xml version="1.0" encoding="utf-8"?>
+<?mso-contentType ?>
+<FormTemplates xmlns="http://schemas.microsoft.com/sharepoint/v3/contenttype/forms">
+  <Display>DocumentLibraryForm</Display>
+  <Edit>DocumentLibraryForm</Edit>
+  <New>DocumentLibraryForm</New>
+</FormTemplates>
+</file>
+
 <file path=customXml/item3.xml><?xml version="1.0" encoding="utf-8"?>
 <p:properties xmlns:p="http://schemas.microsoft.com/office/2006/metadata/properties" xmlns:xsi="http://www.w3.org/2001/XMLSchema-instance" xmlns:pc="http://schemas.microsoft.com/office/infopath/2007/PartnerControls">
   <documentManagement/>
@@ -16402,14 +16518,6 @@
 </file>
 
 <file path=customXml/itemProps1.xml><?xml version="1.0" encoding="utf-8"?>
-<ds:datastoreItem xmlns:ds="http://schemas.openxmlformats.org/officeDocument/2006/customXml" ds:itemID="{FED1CAA2-8584-466D-9965-09BE62182330}">
-  <ds:schemaRefs>
-    <ds:schemaRef ds:uri="http://schemas.microsoft.com/sharepoint/v3/contenttype/forms"/>
-  </ds:schemaRefs>
-</ds:datastoreItem>
-</file>
-
-<file path=customXml/itemProps2.xml><?xml version="1.0" encoding="utf-8"?>
 <ds:datastoreItem xmlns:ds="http://schemas.openxmlformats.org/officeDocument/2006/customXml" ds:itemID="{5877039C-59B0-41EB-9093-09BDFB519DAB}">
   <ds:schemaRefs>
     <ds:schemaRef ds:uri="http://schemas.microsoft.com/office/2006/metadata/contentType"/>
@@ -16424,6 +16532,14 @@
     <ds:schemaRef ds:uri="http://purl.org/dc/elements/1.1/"/>
     <ds:schemaRef ds:uri="http://purl.org/dc/terms/"/>
     <ds:schemaRef ds:uri="http://schemas.microsoft.com/internal/obd"/>
+  </ds:schemaRefs>
+</ds:datastoreItem>
+</file>
+
+<file path=customXml/itemProps2.xml><?xml version="1.0" encoding="utf-8"?>
+<ds:datastoreItem xmlns:ds="http://schemas.openxmlformats.org/officeDocument/2006/customXml" ds:itemID="{FED1CAA2-8584-466D-9965-09BE62182330}">
+  <ds:schemaRefs>
+    <ds:schemaRef ds:uri="http://schemas.microsoft.com/sharepoint/v3/contenttype/forms"/>
   </ds:schemaRefs>
 </ds:datastoreItem>
 </file>

--- a/Slides.pptx
+++ b/Slides.pptx
@@ -5523,7 +5523,85 @@
           <a:bodyPr/>
           <a:lstStyle/>
           <a:p>
-            <a:endParaRPr lang="en-US"/>
+            <a:r>
+              <a:rPr lang="en-US" dirty="0"/>
+              <a:t>Good afternoon, good evening, good morning, good night! Wherever you are!</a:t>
+            </a:r>
+          </a:p>
+          <a:p>
+            <a:endParaRPr lang="en-US" dirty="0"/>
+          </a:p>
+          <a:p>
+            <a:r>
+              <a:rPr lang="en-US" dirty="0"/>
+              <a:t>I would just like to </a:t>
+            </a:r>
+            <a:r>
+              <a:rPr lang="en-US" b="1" dirty="0"/>
+              <a:t>thank Jen</a:t>
+            </a:r>
+            <a:r>
+              <a:rPr lang="en-US" dirty="0"/>
+              <a:t> for that awesome introduction and all the </a:t>
+            </a:r>
+            <a:r>
+              <a:rPr lang="en-US" b="1" dirty="0"/>
+              <a:t>rest of the Uno Team for a great UnoConf</a:t>
+            </a:r>
+            <a:r>
+              <a:rPr lang="en-US" dirty="0"/>
+              <a:t>! A </a:t>
+            </a:r>
+            <a:r>
+              <a:rPr lang="en-US" b="1" dirty="0"/>
+              <a:t>special thanks to the team for inviting me </a:t>
+            </a:r>
+            <a:r>
+              <a:rPr lang="en-US" dirty="0"/>
+              <a:t>to speak.</a:t>
+            </a:r>
+          </a:p>
+          <a:p>
+            <a:endParaRPr lang="en-US" dirty="0"/>
+          </a:p>
+          <a:p>
+            <a:r>
+              <a:rPr lang="en-US" dirty="0"/>
+              <a:t>I hope </a:t>
+            </a:r>
+            <a:r>
+              <a:rPr lang="en-US" b="1" dirty="0"/>
+              <a:t>everyone is doing well and enjoying</a:t>
+            </a:r>
+            <a:r>
+              <a:rPr lang="en-US" dirty="0"/>
+              <a:t> UnoConf? I know I am, and I am pretty sure you are too! I have just seen some of the really cool things that has been going on at Uno and I am pretty excited to try some things out. And I know you will too!</a:t>
+            </a:r>
+          </a:p>
+          <a:p>
+            <a:endParaRPr lang="en-US" dirty="0"/>
+          </a:p>
+          <a:p>
+            <a:r>
+              <a:rPr lang="en-US" dirty="0"/>
+              <a:t>Well, we better get started on some </a:t>
+            </a:r>
+            <a:r>
+              <a:rPr lang="en-US" dirty="0" err="1"/>
+              <a:t>SkiaSharp</a:t>
+            </a:r>
+            <a:r>
+              <a:rPr lang="en-US" dirty="0"/>
+              <a:t> goodness. I know you already have seen some of the things that Uno is doing with </a:t>
+            </a:r>
+            <a:r>
+              <a:rPr lang="en-US" dirty="0" err="1"/>
+              <a:t>SkiaSharp</a:t>
+            </a:r>
+            <a:r>
+              <a:rPr lang="en-US" dirty="0"/>
+              <a:t>, so I am just wanting to take a few minutes to just chat about it.</a:t>
+            </a:r>
           </a:p>
         </p:txBody>
       </p:sp>
@@ -5554,6 +5632,354 @@
     <p:extLst>
       <p:ext uri="{BB962C8B-B14F-4D97-AF65-F5344CB8AC3E}">
         <p14:creationId xmlns:p14="http://schemas.microsoft.com/office/powerpoint/2010/main" val="2139696806"/>
+      </p:ext>
+    </p:extLst>
+  </p:cSld>
+  <p:clrMapOvr>
+    <a:masterClrMapping/>
+  </p:clrMapOvr>
+</p:notes>
+</file>
+
+<file path=ppt/notesSlides/notesSlide2.xml><?xml version="1.0" encoding="utf-8"?>
+<p:notes xmlns:a="http://schemas.openxmlformats.org/drawingml/2006/main" xmlns:r="http://schemas.openxmlformats.org/officeDocument/2006/relationships" xmlns:p="http://schemas.openxmlformats.org/presentationml/2006/main">
+  <p:cSld>
+    <p:spTree>
+      <p:nvGrpSpPr>
+        <p:cNvPr id="1" name=""/>
+        <p:cNvGrpSpPr/>
+        <p:nvPr/>
+      </p:nvGrpSpPr>
+      <p:grpSpPr>
+        <a:xfrm>
+          <a:off x="0" y="0"/>
+          <a:ext cx="0" cy="0"/>
+          <a:chOff x="0" y="0"/>
+          <a:chExt cx="0" cy="0"/>
+        </a:xfrm>
+      </p:grpSpPr>
+      <p:sp>
+        <p:nvSpPr>
+          <p:cNvPr id="2" name="Slide Image Placeholder 1"/>
+          <p:cNvSpPr>
+            <a:spLocks noGrp="1" noRot="1" noChangeAspect="1"/>
+          </p:cNvSpPr>
+          <p:nvPr>
+            <p:ph type="sldImg"/>
+          </p:nvPr>
+        </p:nvSpPr>
+        <p:spPr/>
+      </p:sp>
+      <p:sp>
+        <p:nvSpPr>
+          <p:cNvPr id="3" name="Notes Placeholder 2"/>
+          <p:cNvSpPr>
+            <a:spLocks noGrp="1"/>
+          </p:cNvSpPr>
+          <p:nvPr>
+            <p:ph type="body" idx="1"/>
+          </p:nvPr>
+        </p:nvSpPr>
+        <p:spPr/>
+        <p:txBody>
+          <a:bodyPr/>
+          <a:lstStyle/>
+          <a:p>
+            <a:r>
+              <a:rPr lang="en-US" dirty="0"/>
+              <a:t>I am Matthew Leibowitz, a Senior Software Engineer at Microsoft with a great passion for software development, software development with .NET and cross-platform software development with .NET.</a:t>
+            </a:r>
+          </a:p>
+          <a:p>
+            <a:endParaRPr lang="en-US" dirty="0"/>
+          </a:p>
+          <a:p>
+            <a:r>
+              <a:rPr lang="en-US" dirty="0"/>
+              <a:t>I work on a team that focuses on making developer lives easier by creating tooling, libraries and frameworks that enable you as developers to not only create great apps, but also create your own libraries and frameworks.</a:t>
+            </a:r>
+          </a:p>
+        </p:txBody>
+      </p:sp>
+      <p:sp>
+        <p:nvSpPr>
+          <p:cNvPr id="4" name="Slide Number Placeholder 3"/>
+          <p:cNvSpPr>
+            <a:spLocks noGrp="1"/>
+          </p:cNvSpPr>
+          <p:nvPr>
+            <p:ph type="sldNum" sz="quarter" idx="5"/>
+          </p:nvPr>
+        </p:nvSpPr>
+        <p:spPr/>
+        <p:txBody>
+          <a:bodyPr/>
+          <a:lstStyle/>
+          <a:p>
+            <a:fld id="{C80D04E4-CBCC-D747-82B1-8B6353203912}" type="slidenum">
+              <a:rPr lang="en-US" smtClean="0"/>
+              <a:t>2</a:t>
+            </a:fld>
+            <a:endParaRPr lang="en-US"/>
+          </a:p>
+        </p:txBody>
+      </p:sp>
+    </p:spTree>
+    <p:extLst>
+      <p:ext uri="{BB962C8B-B14F-4D97-AF65-F5344CB8AC3E}">
+        <p14:creationId xmlns:p14="http://schemas.microsoft.com/office/powerpoint/2010/main" val="2205249305"/>
+      </p:ext>
+    </p:extLst>
+  </p:cSld>
+  <p:clrMapOvr>
+    <a:masterClrMapping/>
+  </p:clrMapOvr>
+</p:notes>
+</file>
+
+<file path=ppt/notesSlides/notesSlide3.xml><?xml version="1.0" encoding="utf-8"?>
+<p:notes xmlns:a="http://schemas.openxmlformats.org/drawingml/2006/main" xmlns:r="http://schemas.openxmlformats.org/officeDocument/2006/relationships" xmlns:p="http://schemas.openxmlformats.org/presentationml/2006/main">
+  <p:cSld>
+    <p:spTree>
+      <p:nvGrpSpPr>
+        <p:cNvPr id="1" name=""/>
+        <p:cNvGrpSpPr/>
+        <p:nvPr/>
+      </p:nvGrpSpPr>
+      <p:grpSpPr>
+        <a:xfrm>
+          <a:off x="0" y="0"/>
+          <a:ext cx="0" cy="0"/>
+          <a:chOff x="0" y="0"/>
+          <a:chExt cx="0" cy="0"/>
+        </a:xfrm>
+      </p:grpSpPr>
+      <p:sp>
+        <p:nvSpPr>
+          <p:cNvPr id="2" name="Slide Image Placeholder 1"/>
+          <p:cNvSpPr>
+            <a:spLocks noGrp="1" noRot="1" noChangeAspect="1"/>
+          </p:cNvSpPr>
+          <p:nvPr>
+            <p:ph type="sldImg"/>
+          </p:nvPr>
+        </p:nvSpPr>
+        <p:spPr/>
+      </p:sp>
+      <p:sp>
+        <p:nvSpPr>
+          <p:cNvPr id="3" name="Notes Placeholder 2"/>
+          <p:cNvSpPr>
+            <a:spLocks noGrp="1"/>
+          </p:cNvSpPr>
+          <p:nvPr>
+            <p:ph type="body" idx="1"/>
+          </p:nvPr>
+        </p:nvSpPr>
+        <p:spPr/>
+        <p:txBody>
+          <a:bodyPr/>
+          <a:lstStyle/>
+          <a:p>
+            <a:r>
+              <a:rPr lang="en-US" dirty="0"/>
+              <a:t>Before we talk about </a:t>
+            </a:r>
+            <a:r>
+              <a:rPr lang="en-US" dirty="0" err="1"/>
+              <a:t>SkiaSharp</a:t>
+            </a:r>
+            <a:r>
+              <a:rPr lang="en-US" dirty="0"/>
+              <a:t>, we must talk about </a:t>
+            </a:r>
+            <a:r>
+              <a:rPr lang="en-US" dirty="0" err="1"/>
+              <a:t>Skia</a:t>
+            </a:r>
+            <a:r>
+              <a:rPr lang="en-US" dirty="0"/>
+              <a:t> – the </a:t>
+            </a:r>
+            <a:r>
+              <a:rPr lang="en-US" b="1" dirty="0"/>
+              <a:t>engine behind library</a:t>
+            </a:r>
+            <a:r>
+              <a:rPr lang="en-US" dirty="0"/>
+              <a:t>.</a:t>
+            </a:r>
+          </a:p>
+          <a:p>
+            <a:endParaRPr lang="en-US" dirty="0"/>
+          </a:p>
+          <a:p>
+            <a:r>
+              <a:rPr lang="en-US" dirty="0"/>
+              <a:t>It is an awesome cross-platform 2D graphics library that enables you to </a:t>
+            </a:r>
+            <a:r>
+              <a:rPr lang="en-US" b="1" dirty="0"/>
+              <a:t>draw whatever you want, however you want, without sacrificing performance</a:t>
+            </a:r>
+            <a:r>
+              <a:rPr lang="en-US" dirty="0"/>
+              <a:t>.</a:t>
+            </a:r>
+          </a:p>
+          <a:p>
+            <a:endParaRPr lang="en-US" dirty="0"/>
+          </a:p>
+          <a:p>
+            <a:r>
+              <a:rPr lang="en-US" dirty="0"/>
+              <a:t>It supports </a:t>
+            </a:r>
+            <a:r>
+              <a:rPr lang="en-US" b="1" dirty="0"/>
+              <a:t>hardware accelerated rendering on the GPU</a:t>
+            </a:r>
+            <a:r>
+              <a:rPr lang="en-US" dirty="0"/>
+              <a:t> through </a:t>
+            </a:r>
+            <a:r>
+              <a:rPr lang="en-US" b="1" dirty="0"/>
+              <a:t>OpenGL</a:t>
+            </a:r>
+            <a:r>
+              <a:rPr lang="en-US" dirty="0"/>
+              <a:t>, </a:t>
+            </a:r>
+            <a:r>
+              <a:rPr lang="en-US" b="1" dirty="0"/>
+              <a:t>DX</a:t>
+            </a:r>
+            <a:r>
+              <a:rPr lang="en-US" dirty="0"/>
+              <a:t>, </a:t>
+            </a:r>
+            <a:r>
+              <a:rPr lang="en-US" b="1" dirty="0"/>
+              <a:t>Metal</a:t>
+            </a:r>
+            <a:r>
+              <a:rPr lang="en-US" dirty="0"/>
+              <a:t> and </a:t>
+            </a:r>
+            <a:r>
+              <a:rPr lang="en-US" b="1" dirty="0" err="1"/>
+              <a:t>Vk</a:t>
+            </a:r>
+            <a:r>
+              <a:rPr lang="en-US" dirty="0"/>
+              <a:t>.</a:t>
+            </a:r>
+          </a:p>
+          <a:p>
+            <a:endParaRPr lang="en-US" dirty="0"/>
+          </a:p>
+          <a:p>
+            <a:r>
+              <a:rPr lang="en-US" dirty="0"/>
+              <a:t>If the GPU is not your thing, then the </a:t>
+            </a:r>
+            <a:r>
+              <a:rPr lang="en-US" b="1" dirty="0"/>
+              <a:t>CPU is also capable of all the same drawings</a:t>
+            </a:r>
+            <a:r>
+              <a:rPr lang="en-US" dirty="0"/>
+              <a:t>, again without sacrificing </a:t>
+            </a:r>
+            <a:r>
+              <a:rPr lang="en-US" b="1" dirty="0"/>
+              <a:t>performance</a:t>
+            </a:r>
+            <a:r>
+              <a:rPr lang="en-US" dirty="0"/>
+              <a:t>.</a:t>
+            </a:r>
+          </a:p>
+          <a:p>
+            <a:endParaRPr lang="en-US" dirty="0"/>
+          </a:p>
+          <a:p>
+            <a:r>
+              <a:rPr lang="en-US" dirty="0"/>
+              <a:t>It achieves this but making sure the code is </a:t>
+            </a:r>
+            <a:r>
+              <a:rPr lang="en-US" b="1" dirty="0"/>
+              <a:t>optimized</a:t>
+            </a:r>
+            <a:r>
+              <a:rPr lang="en-US" dirty="0"/>
+              <a:t>, often utilizing </a:t>
+            </a:r>
+            <a:r>
+              <a:rPr lang="en-US" b="1" dirty="0"/>
+              <a:t>low-level features </a:t>
+            </a:r>
+            <a:r>
+              <a:rPr lang="en-US" dirty="0"/>
+              <a:t>such as assembly and </a:t>
+            </a:r>
+            <a:r>
+              <a:rPr lang="en-US" dirty="0" err="1"/>
+              <a:t>intrinsics</a:t>
+            </a:r>
+            <a:r>
+              <a:rPr lang="en-US" dirty="0"/>
+              <a:t>.</a:t>
+            </a:r>
+          </a:p>
+          <a:p>
+            <a:endParaRPr lang="en-US" dirty="0"/>
+          </a:p>
+          <a:p>
+            <a:r>
+              <a:rPr lang="en-US" dirty="0"/>
+              <a:t>If you doubt the power, then just take a moment to think about all the things that were just announced for Linux and Windows 7. And then take a look at that the very browser you are streaming through now. If you are using Chrome, Edge of FF, then it is probably using </a:t>
+            </a:r>
+            <a:r>
+              <a:rPr lang="en-US" dirty="0" err="1"/>
+              <a:t>skia</a:t>
+            </a:r>
+            <a:r>
+              <a:rPr lang="en-US" dirty="0"/>
+              <a:t> right now!</a:t>
+            </a:r>
+          </a:p>
+        </p:txBody>
+      </p:sp>
+      <p:sp>
+        <p:nvSpPr>
+          <p:cNvPr id="4" name="Slide Number Placeholder 3"/>
+          <p:cNvSpPr>
+            <a:spLocks noGrp="1"/>
+          </p:cNvSpPr>
+          <p:nvPr>
+            <p:ph type="sldNum" sz="quarter" idx="5"/>
+          </p:nvPr>
+        </p:nvSpPr>
+        <p:spPr/>
+        <p:txBody>
+          <a:bodyPr/>
+          <a:lstStyle/>
+          <a:p>
+            <a:fld id="{C80D04E4-CBCC-D747-82B1-8B6353203912}" type="slidenum">
+              <a:rPr lang="en-US" smtClean="0"/>
+              <a:t>4</a:t>
+            </a:fld>
+            <a:endParaRPr lang="en-US"/>
+          </a:p>
+        </p:txBody>
+      </p:sp>
+    </p:spTree>
+    <p:extLst>
+      <p:ext uri="{BB962C8B-B14F-4D97-AF65-F5344CB8AC3E}">
+        <p14:creationId xmlns:p14="http://schemas.microsoft.com/office/powerpoint/2010/main" val="3806128322"/>
       </p:ext>
     </p:extLst>
   </p:cSld>
@@ -13626,7 +14052,7 @@
           <p:nvPr/>
         </p:nvPicPr>
         <p:blipFill>
-          <a:blip r:embed="rId2"/>
+          <a:blip r:embed="rId3"/>
           <a:stretch>
             <a:fillRect/>
           </a:stretch>
@@ -13699,14 +14125,6 @@
           <a:p>
             <a:r>
               <a:rPr lang="en-US" sz="8000" dirty="0" err="1"/>
-              <a:t>Skia</a:t>
-            </a:r>
-            <a:r>
-              <a:rPr lang="en-US" sz="8000" dirty="0"/>
-              <a:t> &amp; </a:t>
-            </a:r>
-            <a:r>
-              <a:rPr lang="en-US" sz="8000" dirty="0" err="1"/>
               <a:t>SkiaSharp</a:t>
             </a:r>
             <a:endParaRPr lang="en-US" sz="8000" dirty="0"/>
@@ -13768,7 +14186,7 @@
           <a:p>
             <a:r>
               <a:rPr lang="en-US" sz="3600" dirty="0"/>
-              <a:t>So just what is it? What can it do?</a:t>
+              <a:t>So just what is it? What can it do? How does it all work?</a:t>
             </a:r>
           </a:p>
         </p:txBody>
@@ -13893,10 +14311,9 @@
               </a:lnSpc>
             </a:pPr>
             <a:r>
-              <a:rPr lang="en-US"/>
-              <a:t>Immediate mode rendering</a:t>
-            </a:r>
-            <a:endParaRPr lang="en-US" dirty="0"/>
+              <a:rPr lang="en-US" dirty="0"/>
+              <a:t>Hardware rendering for OpenGL, DirectX, Metal and more</a:t>
+            </a:r>
           </a:p>
           <a:p>
             <a:pPr>
@@ -13906,7 +14323,7 @@
             </a:pPr>
             <a:r>
               <a:rPr lang="en-US" dirty="0"/>
-              <a:t>Hardware rendering for OpenGL, DirectX, Metal and more</a:t>
+              <a:t>Software rendering for bitmaps and PDF documents</a:t>
             </a:r>
           </a:p>
           <a:p>
@@ -13917,7 +14334,7 @@
             </a:pPr>
             <a:r>
               <a:rPr lang="en-US" dirty="0"/>
-              <a:t>Software rendering for bitmaps and PDF documents</a:t>
+              <a:t>Written in C++, C, Assembly and other languages</a:t>
             </a:r>
           </a:p>
           <a:p>
@@ -13929,17 +14346,6 @@
             <a:r>
               <a:rPr lang="en-US" dirty="0"/>
               <a:t>Powers Chrome, Android, Firefox, Chrome OS and Flutter</a:t>
-            </a:r>
-          </a:p>
-          <a:p>
-            <a:pPr>
-              <a:lnSpc>
-                <a:spcPct val="100000"/>
-              </a:lnSpc>
-            </a:pPr>
-            <a:r>
-              <a:rPr lang="en-US" dirty="0"/>
-              <a:t>Written in C++, C, Assembly and other languages</a:t>
             </a:r>
           </a:p>
           <a:p>
